--- a/实习转正.pptx
+++ b/实习转正.pptx
@@ -5,10 +5,10 @@
     <p:sldMasterId id="2147483648" r:id="rId1"/>
   </p:sldMasterIdLst>
   <p:notesMasterIdLst>
-    <p:notesMasterId r:id="rId48"/>
+    <p:notesMasterId r:id="rId52"/>
   </p:notesMasterIdLst>
   <p:handoutMasterIdLst>
-    <p:handoutMasterId r:id="rId49"/>
+    <p:handoutMasterId r:id="rId53"/>
   </p:handoutMasterIdLst>
   <p:sldIdLst>
     <p:sldId id="258" r:id="rId3"/>
@@ -49,13 +49,17 @@
     <p:sldId id="325" r:id="rId38"/>
     <p:sldId id="326" r:id="rId39"/>
     <p:sldId id="327" r:id="rId40"/>
-    <p:sldId id="324" r:id="rId41"/>
-    <p:sldId id="320" r:id="rId42"/>
-    <p:sldId id="321" r:id="rId43"/>
-    <p:sldId id="322" r:id="rId44"/>
-    <p:sldId id="308" r:id="rId45"/>
-    <p:sldId id="309" r:id="rId46"/>
-    <p:sldId id="274" r:id="rId47"/>
+    <p:sldId id="328" r:id="rId41"/>
+    <p:sldId id="330" r:id="rId42"/>
+    <p:sldId id="331" r:id="rId43"/>
+    <p:sldId id="332" r:id="rId44"/>
+    <p:sldId id="324" r:id="rId45"/>
+    <p:sldId id="320" r:id="rId46"/>
+    <p:sldId id="321" r:id="rId47"/>
+    <p:sldId id="322" r:id="rId48"/>
+    <p:sldId id="308" r:id="rId49"/>
+    <p:sldId id="309" r:id="rId50"/>
+    <p:sldId id="274" r:id="rId51"/>
   </p:sldIdLst>
   <p:sldSz cx="12192000" cy="6858000"/>
   <p:notesSz cx="6858000" cy="9144000"/>
@@ -20182,12 +20186,263 @@
           </a:bodyPr>
           <a:p>
             <a:r>
-              <a:rPr lang="zh-CN" sz="2400">
-                <a:sym typeface="+mn-ea"/>
-              </a:rPr>
-              <a:t>短语选择策略</a:t>
+              <a:rPr lang="zh-CN" altLang="en-US" sz="2400"/>
+              <a:t>结果分析</a:t>
             </a:r>
             <a:endParaRPr lang="zh-CN" altLang="en-US" sz="2400"/>
+          </a:p>
+        </p:txBody>
+      </p:sp>
+      <p:sp>
+        <p:nvSpPr>
+          <p:cNvPr id="5" name="文本框 4"/>
+          <p:cNvSpPr txBox="1"/>
+          <p:nvPr/>
+        </p:nvSpPr>
+        <p:spPr>
+          <a:xfrm>
+            <a:off x="1059815" y="1316355"/>
+            <a:ext cx="10117455" cy="3907790"/>
+          </a:xfrm>
+          <a:prstGeom prst="rect">
+            <a:avLst/>
+          </a:prstGeom>
+          <a:noFill/>
+        </p:spPr>
+        <p:txBody>
+          <a:bodyPr wrap="square" rtlCol="0" anchor="t">
+            <a:spAutoFit/>
+          </a:bodyPr>
+          <a:p>
+            <a:pPr indent="0" fontAlgn="auto">
+              <a:spcBef>
+                <a:spcPts val="600"/>
+              </a:spcBef>
+              <a:buFont typeface="+mj-lt"/>
+              <a:buNone/>
+            </a:pPr>
+            <a:r>
+              <a:rPr>
+                <a:sym typeface="+mn-ea"/>
+              </a:rPr>
+              <a:t>一部分改写效果还不错，从短语集合中选取的新短语较好的保留了语义，多样性比之前有很大提高。</a:t>
+            </a:r>
+            <a:endParaRPr>
+              <a:sym typeface="+mn-ea"/>
+            </a:endParaRPr>
+          </a:p>
+          <a:p>
+            <a:pPr indent="0" fontAlgn="auto">
+              <a:spcBef>
+                <a:spcPts val="600"/>
+              </a:spcBef>
+              <a:buFont typeface="+mj-lt"/>
+              <a:buNone/>
+            </a:pPr>
+            <a:endParaRPr>
+              <a:sym typeface="+mn-ea"/>
+            </a:endParaRPr>
+          </a:p>
+          <a:p>
+            <a:pPr indent="0" fontAlgn="auto">
+              <a:spcBef>
+                <a:spcPts val="600"/>
+              </a:spcBef>
+              <a:buFont typeface="+mj-lt"/>
+              <a:buNone/>
+            </a:pPr>
+            <a:r>
+              <a:rPr>
+                <a:sym typeface="+mn-ea"/>
+              </a:rPr>
+              <a:t>我身高只有1.70米，空间是宽敞的，车轴距2.7米，腿部空间比较充足。 | 空间宽裕</a:t>
+            </a:r>
+            <a:endParaRPr>
+              <a:sym typeface="+mn-ea"/>
+            </a:endParaRPr>
+          </a:p>
+          <a:p>
+            <a:pPr indent="0" fontAlgn="auto">
+              <a:spcBef>
+                <a:spcPts val="600"/>
+              </a:spcBef>
+              <a:buFont typeface="+mj-lt"/>
+              <a:buNone/>
+            </a:pPr>
+            <a:r>
+              <a:rPr>
+                <a:sym typeface="+mn-ea"/>
+              </a:rPr>
+              <a:t>我身高只有1.70米，</a:t>
+            </a:r>
+            <a:r>
+              <a:rPr>
+                <a:solidFill>
+                  <a:srgbClr val="00B0F0"/>
+                </a:solidFill>
+                <a:sym typeface="+mn-ea"/>
+              </a:rPr>
+              <a:t>这款车的大空间是我的最爱</a:t>
+            </a:r>
+            <a:r>
+              <a:rPr>
+                <a:sym typeface="+mn-ea"/>
+              </a:rPr>
+              <a:t>，车轴距2.7米，腿部空间比较充足。 | 空间够大</a:t>
+            </a:r>
+            <a:endParaRPr>
+              <a:sym typeface="+mn-ea"/>
+            </a:endParaRPr>
+          </a:p>
+          <a:p>
+            <a:pPr indent="0" fontAlgn="auto">
+              <a:spcBef>
+                <a:spcPts val="600"/>
+              </a:spcBef>
+              <a:buFont typeface="+mj-lt"/>
+              <a:buNone/>
+            </a:pPr>
+            <a:endParaRPr>
+              <a:sym typeface="+mn-ea"/>
+            </a:endParaRPr>
+          </a:p>
+          <a:p>
+            <a:pPr indent="0" fontAlgn="auto">
+              <a:spcBef>
+                <a:spcPts val="600"/>
+              </a:spcBef>
+              <a:buFont typeface="+mj-lt"/>
+              <a:buNone/>
+            </a:pPr>
+            <a:r>
+              <a:rPr>
+                <a:sym typeface="+mn-ea"/>
+              </a:rPr>
+              <a:t>操控：方向盘轻盈，指向很准。 | 转向力度适中</a:t>
+            </a:r>
+            <a:endParaRPr>
+              <a:sym typeface="+mn-ea"/>
+            </a:endParaRPr>
+          </a:p>
+          <a:p>
+            <a:pPr indent="0" fontAlgn="auto">
+              <a:spcBef>
+                <a:spcPts val="600"/>
+              </a:spcBef>
+              <a:buFont typeface="+mj-lt"/>
+              <a:buNone/>
+            </a:pPr>
+            <a:r>
+              <a:rPr>
+                <a:solidFill>
+                  <a:srgbClr val="00B0F0"/>
+                </a:solidFill>
+                <a:sym typeface="+mn-ea"/>
+              </a:rPr>
+              <a:t>转向的时候不费力</a:t>
+            </a:r>
+            <a:r>
+              <a:rPr>
+                <a:sym typeface="+mn-ea"/>
+              </a:rPr>
+              <a:t>，</a:t>
+            </a:r>
+            <a:r>
+              <a:rPr>
+                <a:solidFill>
+                  <a:srgbClr val="00B0F0"/>
+                </a:solidFill>
+                <a:sym typeface="+mn-ea"/>
+              </a:rPr>
+              <a:t>方向盘很轻指向也很清晰</a:t>
+            </a:r>
+            <a:r>
+              <a:rPr>
+                <a:sym typeface="+mn-ea"/>
+              </a:rPr>
+              <a:t>。 | 转向轻盈 | 方向盘指向精准 </a:t>
+            </a:r>
+            <a:endParaRPr>
+              <a:sym typeface="+mn-ea"/>
+            </a:endParaRPr>
+          </a:p>
+          <a:p>
+            <a:pPr indent="0" fontAlgn="auto">
+              <a:spcBef>
+                <a:spcPts val="600"/>
+              </a:spcBef>
+              <a:buFont typeface="+mj-lt"/>
+              <a:buNone/>
+            </a:pPr>
+            <a:endParaRPr>
+              <a:sym typeface="+mn-ea"/>
+            </a:endParaRPr>
+          </a:p>
+          <a:p>
+            <a:pPr indent="0" fontAlgn="auto">
+              <a:spcBef>
+                <a:spcPts val="600"/>
+              </a:spcBef>
+              <a:buFont typeface="+mj-lt"/>
+              <a:buNone/>
+            </a:pPr>
+            <a:r>
+              <a:rPr>
+                <a:sym typeface="+mn-ea"/>
+              </a:rPr>
+              <a:t>100块稳稳280，油耗还是可以地 | 油耗低</a:t>
+            </a:r>
+            <a:endParaRPr>
+              <a:sym typeface="+mn-ea"/>
+            </a:endParaRPr>
+          </a:p>
+          <a:p>
+            <a:pPr indent="0" fontAlgn="auto">
+              <a:spcBef>
+                <a:spcPts val="600"/>
+              </a:spcBef>
+              <a:buFont typeface="+mj-lt"/>
+              <a:buNone/>
+            </a:pPr>
+            <a:r>
+              <a:rPr>
+                <a:sym typeface="+mn-ea"/>
+              </a:rPr>
+              <a:t>100块稳稳280，</a:t>
+            </a:r>
+            <a:r>
+              <a:rPr>
+                <a:solidFill>
+                  <a:srgbClr val="00B0F0"/>
+                </a:solidFill>
+                <a:sym typeface="+mn-ea"/>
+              </a:rPr>
+              <a:t>这款车的油耗是我对它最满意的一方面</a:t>
+            </a:r>
+            <a:r>
+              <a:rPr>
+                <a:sym typeface="+mn-ea"/>
+              </a:rPr>
+              <a:t> | 油耗满意</a:t>
+            </a:r>
+            <a:endParaRPr>
+              <a:sym typeface="+mn-ea"/>
+            </a:endParaRPr>
+          </a:p>
+          <a:p>
+            <a:pPr indent="0" fontAlgn="auto">
+              <a:spcBef>
+                <a:spcPts val="600"/>
+              </a:spcBef>
+              <a:buFont typeface="+mj-lt"/>
+              <a:buNone/>
+            </a:pPr>
+            <a:endParaRPr lang="en-US">
+              <a:solidFill>
+                <a:schemeClr val="tx1"/>
+              </a:solidFill>
+              <a:sym typeface="+mn-ea"/>
+            </a:endParaRPr>
           </a:p>
         </p:txBody>
       </p:sp>
@@ -20721,7 +20976,7 @@
         </p:nvSpPr>
         <p:spPr>
           <a:xfrm>
-            <a:off x="774383" y="720090"/>
+            <a:off x="773748" y="727075"/>
             <a:ext cx="10688955" cy="460375"/>
           </a:xfrm>
           <a:prstGeom prst="rect">
@@ -20735,10 +20990,10 @@
           </a:bodyPr>
           <a:p>
             <a:r>
-              <a:rPr lang="zh-CN" sz="2400"/>
-              <a:t>利用标签对应短语集进行改写</a:t>
-            </a:r>
-            <a:endParaRPr lang="zh-CN" sz="2400"/>
+              <a:rPr lang="zh-CN" altLang="en-US" sz="2400"/>
+              <a:t>结果分析</a:t>
+            </a:r>
+            <a:endParaRPr lang="zh-CN" altLang="en-US" sz="2400"/>
           </a:p>
         </p:txBody>
       </p:sp>
@@ -20750,8 +21005,8 @@
         </p:nvSpPr>
         <p:spPr>
           <a:xfrm>
-            <a:off x="1059815" y="1351280"/>
-            <a:ext cx="10117455" cy="3784600"/>
+            <a:off x="1059815" y="1316355"/>
+            <a:ext cx="10117455" cy="5246370"/>
           </a:xfrm>
           <a:prstGeom prst="rect">
             <a:avLst/>
@@ -20762,39 +21017,6 @@
           <a:bodyPr wrap="square" rtlCol="0" anchor="t">
             <a:spAutoFit/>
           </a:bodyPr>
-          <a:p>
-            <a:pPr indent="0" fontAlgn="auto">
-              <a:spcBef>
-                <a:spcPts val="600"/>
-              </a:spcBef>
-              <a:buFont typeface="Arial" panose="020B0604020202020204" pitchFamily="34" charset="0"/>
-              <a:buNone/>
-            </a:pPr>
-            <a:endParaRPr>
-              <a:sym typeface="+mn-ea"/>
-            </a:endParaRPr>
-          </a:p>
-          <a:p>
-            <a:pPr marL="285750" indent="-285750" fontAlgn="auto">
-              <a:spcBef>
-                <a:spcPts val="600"/>
-              </a:spcBef>
-              <a:buFont typeface="Arial" panose="020B0604020202020204" pitchFamily="34" charset="0"/>
-              <a:buChar char="•"/>
-            </a:pPr>
-            <a:r>
-              <a:rPr lang="en-US">
-                <a:sym typeface="+mn-ea"/>
-              </a:rPr>
-              <a:t>实验结果：</a:t>
-            </a:r>
-            <a:endParaRPr lang="en-US">
-              <a:solidFill>
-                <a:schemeClr val="tx1"/>
-              </a:solidFill>
-              <a:sym typeface="+mn-ea"/>
-            </a:endParaRPr>
-          </a:p>
           <a:p>
             <a:pPr indent="0" fontAlgn="auto">
               <a:spcBef>
@@ -20804,15 +21026,12 @@
               <a:buNone/>
             </a:pPr>
             <a:r>
-              <a:rPr lang="en-US">
-                <a:sym typeface="+mn-ea"/>
-              </a:rPr>
-              <a:t>accuracy:  0.900	  precision:   0.935</a:t>
-            </a:r>
-            <a:endParaRPr lang="en-US">
-              <a:solidFill>
-                <a:schemeClr val="tx1"/>
-              </a:solidFill>
+              <a:rPr>
+                <a:sym typeface="+mn-ea"/>
+              </a:rPr>
+              <a:t>在改写不佳的结果中，有以下几种类型：  </a:t>
+            </a:r>
+            <a:endParaRPr>
               <a:sym typeface="+mn-ea"/>
             </a:endParaRPr>
           </a:p>
@@ -20824,142 +21043,238 @@
               <a:buFont typeface="+mj-lt"/>
               <a:buNone/>
             </a:pPr>
-            <a:r>
-              <a:rPr lang="en-US">
-                <a:sym typeface="+mn-ea"/>
-              </a:rPr>
-              <a:t>recall:        0.926	  f1-score:     0.928</a:t>
-            </a:r>
+            <a:endParaRPr>
+              <a:sym typeface="+mn-ea"/>
+            </a:endParaRPr>
+          </a:p>
+          <a:p>
+            <a:pPr marL="342900" indent="-342900" fontAlgn="auto">
+              <a:spcBef>
+                <a:spcPts val="600"/>
+              </a:spcBef>
+              <a:buFont typeface="+mj-lt"/>
+              <a:buAutoNum type="arabicPeriod"/>
+            </a:pPr>
+            <a:r>
+              <a:rPr>
+                <a:sym typeface="+mn-ea"/>
+              </a:rPr>
+              <a:t>标签预测错误，</a:t>
+            </a:r>
+            <a:r>
+              <a:rPr lang="zh-CN">
+                <a:sym typeface="+mn-ea"/>
+              </a:rPr>
+              <a:t>目前标签</a:t>
+            </a:r>
+            <a:r>
+              <a:rPr>
+                <a:sym typeface="+mn-ea"/>
+              </a:rPr>
+              <a:t>预测准确率只有30%左右，不过其中也有不少预测结果和真实标签语义接近。</a:t>
+            </a:r>
+            <a:endParaRPr>
+              <a:sym typeface="+mn-ea"/>
+            </a:endParaRPr>
+          </a:p>
+          <a:p>
+            <a:pPr indent="0" fontAlgn="auto">
+              <a:spcBef>
+                <a:spcPts val="600"/>
+              </a:spcBef>
+              <a:buFont typeface="+mj-lt"/>
+              <a:buNone/>
+            </a:pPr>
+            <a:endParaRPr>
+              <a:sym typeface="+mn-ea"/>
+            </a:endParaRPr>
+          </a:p>
+          <a:p>
+            <a:pPr indent="0" fontAlgn="auto">
+              <a:spcBef>
+                <a:spcPts val="600"/>
+              </a:spcBef>
+              <a:buFont typeface="+mj-lt"/>
+              <a:buNone/>
+            </a:pPr>
+            <a:r>
+              <a:rPr>
+                <a:sym typeface="+mn-ea"/>
+              </a:rPr>
+              <a:t>感觉除了动力弱一点，提速不够快，操控还是可以的。 | 操控好</a:t>
+            </a:r>
+            <a:endParaRPr>
+              <a:sym typeface="+mn-ea"/>
+            </a:endParaRPr>
+          </a:p>
+          <a:p>
+            <a:pPr indent="0" fontAlgn="auto">
+              <a:spcBef>
+                <a:spcPts val="600"/>
+              </a:spcBef>
+              <a:buFont typeface="+mj-lt"/>
+              <a:buNone/>
+            </a:pPr>
+            <a:r>
+              <a:rPr>
+                <a:solidFill>
+                  <a:srgbClr val="00B0F0"/>
+                </a:solidFill>
+                <a:sym typeface="+mn-ea"/>
+              </a:rPr>
+              <a:t>动力表现还是很不错的</a:t>
+            </a:r>
+            <a:r>
+              <a:rPr>
+                <a:sym typeface="+mn-ea"/>
+              </a:rPr>
+              <a:t>，提速不够快，操控还是可以的。 | 动力不足 | 动力够用</a:t>
+            </a:r>
+            <a:endParaRPr>
+              <a:sym typeface="+mn-ea"/>
+            </a:endParaRPr>
+          </a:p>
+          <a:p>
+            <a:pPr indent="0" fontAlgn="auto">
+              <a:spcBef>
+                <a:spcPts val="600"/>
+              </a:spcBef>
+              <a:buFont typeface="+mj-lt"/>
+              <a:buNone/>
+            </a:pPr>
+            <a:endParaRPr>
+              <a:sym typeface="+mn-ea"/>
+            </a:endParaRPr>
+          </a:p>
+          <a:p>
+            <a:pPr marL="342900" indent="-342900" fontAlgn="auto">
+              <a:spcBef>
+                <a:spcPts val="600"/>
+              </a:spcBef>
+              <a:buFont typeface="+mj-lt"/>
+              <a:buAutoNum type="arabicPeriod" startAt="2"/>
+            </a:pPr>
+            <a:r>
+              <a:rPr>
+                <a:sym typeface="+mn-ea"/>
+              </a:rPr>
+              <a:t>新的短语中有车型等信息，可能无法与原句匹配</a:t>
+            </a:r>
+            <a:endParaRPr>
+              <a:sym typeface="+mn-ea"/>
+            </a:endParaRPr>
+          </a:p>
+          <a:p>
+            <a:pPr indent="0" fontAlgn="auto">
+              <a:spcBef>
+                <a:spcPts val="600"/>
+              </a:spcBef>
+              <a:buFont typeface="+mj-lt"/>
+              <a:buNone/>
+            </a:pPr>
+            <a:endParaRPr>
+              <a:sym typeface="+mn-ea"/>
+            </a:endParaRPr>
+          </a:p>
+          <a:p>
+            <a:pPr indent="0" fontAlgn="auto">
+              <a:spcBef>
+                <a:spcPts val="600"/>
+              </a:spcBef>
+              <a:buFont typeface="+mj-lt"/>
+              <a:buNone/>
+            </a:pPr>
+            <a:r>
+              <a:rPr>
+                <a:sym typeface="+mn-ea"/>
+              </a:rPr>
+              <a:t>稳定易于便捷的操控性，非常适合新手+女司机 | 操控好</a:t>
+            </a:r>
+            <a:endParaRPr>
+              <a:sym typeface="+mn-ea"/>
+            </a:endParaRPr>
+          </a:p>
+          <a:p>
+            <a:pPr indent="0" fontAlgn="auto">
+              <a:spcBef>
+                <a:spcPts val="600"/>
+              </a:spcBef>
+              <a:buFont typeface="+mj-lt"/>
+              <a:buNone/>
+            </a:pPr>
+            <a:r>
+              <a:rPr>
+                <a:solidFill>
+                  <a:srgbClr val="00B0F0"/>
+                </a:solidFill>
+                <a:sym typeface="+mn-ea"/>
+              </a:rPr>
+              <a:t>标准的</a:t>
+            </a:r>
+            <a:r>
+              <a:rPr>
+                <a:solidFill>
+                  <a:srgbClr val="FF0000"/>
+                </a:solidFill>
+                <a:sym typeface="+mn-ea"/>
+              </a:rPr>
+              <a:t>马自达</a:t>
+            </a:r>
+            <a:r>
+              <a:rPr>
+                <a:solidFill>
+                  <a:srgbClr val="00B0F0"/>
+                </a:solidFill>
+                <a:sym typeface="+mn-ea"/>
+              </a:rPr>
+              <a:t>的操控</a:t>
+            </a:r>
+            <a:r>
+              <a:rPr>
+                <a:sym typeface="+mn-ea"/>
+              </a:rPr>
+              <a:t>，非常适合新手+女司机 | 容易操控</a:t>
+            </a:r>
+            <a:endParaRPr>
+              <a:sym typeface="+mn-ea"/>
+            </a:endParaRPr>
+          </a:p>
+          <a:p>
+            <a:pPr indent="0" fontAlgn="auto">
+              <a:spcBef>
+                <a:spcPts val="600"/>
+              </a:spcBef>
+              <a:buFont typeface="+mj-lt"/>
+              <a:buNone/>
+            </a:pPr>
+            <a:endParaRPr>
+              <a:sym typeface="+mn-ea"/>
+            </a:endParaRPr>
+          </a:p>
+          <a:p>
+            <a:pPr indent="0" fontAlgn="auto">
+              <a:spcBef>
+                <a:spcPts val="600"/>
+              </a:spcBef>
+              <a:buFont typeface="+mj-lt"/>
+              <a:buNone/>
+            </a:pPr>
+            <a:endParaRPr>
+              <a:sym typeface="+mn-ea"/>
+            </a:endParaRPr>
+          </a:p>
+          <a:p>
+            <a:pPr indent="0" fontAlgn="auto">
+              <a:spcBef>
+                <a:spcPts val="600"/>
+              </a:spcBef>
+              <a:buFont typeface="+mj-lt"/>
+              <a:buNone/>
+            </a:pPr>
             <a:endParaRPr lang="en-US">
               <a:solidFill>
                 <a:schemeClr val="tx1"/>
               </a:solidFill>
-              <a:sym typeface="+mn-ea"/>
-            </a:endParaRPr>
-          </a:p>
-          <a:p>
-            <a:pPr marL="285750" indent="-285750" fontAlgn="auto">
-              <a:spcBef>
-                <a:spcPts val="600"/>
-              </a:spcBef>
-              <a:buFont typeface="Arial" panose="020B0604020202020204" pitchFamily="34" charset="0"/>
-              <a:buChar char="•"/>
-            </a:pPr>
-            <a:endParaRPr>
-              <a:sym typeface="+mn-ea"/>
-            </a:endParaRPr>
-          </a:p>
-          <a:p>
-            <a:pPr indent="0" fontAlgn="auto">
-              <a:spcBef>
-                <a:spcPts val="600"/>
-              </a:spcBef>
-              <a:spcAft>
-                <a:spcPts val="600"/>
-              </a:spcAft>
-              <a:buFont typeface="Arial" panose="020B0604020202020204" pitchFamily="34" charset="0"/>
-              <a:buNone/>
-            </a:pPr>
-            <a:r>
-              <a:rPr>
-                <a:sym typeface="+mn-ea"/>
-              </a:rPr>
-              <a:t>内饰做工用料很扎实 摸到的地方都是软的 | 内饰做工用料很扎实 | 内饰用料好</a:t>
-            </a:r>
-            <a:endParaRPr>
-              <a:sym typeface="+mn-ea"/>
-            </a:endParaRPr>
-          </a:p>
-          <a:p>
-            <a:pPr indent="0" fontAlgn="auto">
-              <a:spcBef>
-                <a:spcPts val="600"/>
-              </a:spcBef>
-              <a:spcAft>
-                <a:spcPts val="600"/>
-              </a:spcAft>
-              <a:buFont typeface="Arial" panose="020B0604020202020204" pitchFamily="34" charset="0"/>
-              <a:buNone/>
-            </a:pPr>
-            <a:r>
-              <a:rPr>
-                <a:sym typeface="+mn-ea"/>
-              </a:rPr>
-              <a:t>内饰做工用料很扎实，摸到的地方都是软的</a:t>
-            </a:r>
-            <a:endParaRPr>
-              <a:sym typeface="+mn-ea"/>
-            </a:endParaRPr>
-          </a:p>
-          <a:p>
-            <a:pPr indent="0" fontAlgn="auto">
-              <a:spcBef>
-                <a:spcPts val="600"/>
-              </a:spcBef>
-              <a:buFont typeface="Arial" panose="020B0604020202020204" pitchFamily="34" charset="0"/>
-              <a:buNone/>
-            </a:pPr>
-            <a:r>
-              <a:rPr>
-                <a:solidFill>
-                  <a:srgbClr val="0070C0"/>
-                </a:solidFill>
-                <a:sym typeface="+mn-ea"/>
-              </a:rPr>
-              <a:t>    有时预测结果甚至比真实结果更合理</a:t>
-            </a:r>
-            <a:r>
-              <a:rPr lang="zh-CN">
-                <a:solidFill>
-                  <a:srgbClr val="0070C0"/>
-                </a:solidFill>
-                <a:sym typeface="+mn-ea"/>
-              </a:rPr>
-              <a:t>：</a:t>
-            </a:r>
-            <a:endParaRPr>
-              <a:sym typeface="+mn-ea"/>
-            </a:endParaRPr>
-          </a:p>
-          <a:p>
-            <a:pPr indent="0" fontAlgn="auto">
-              <a:spcBef>
-                <a:spcPts val="600"/>
-              </a:spcBef>
-              <a:spcAft>
-                <a:spcPts val="600"/>
-              </a:spcAft>
-              <a:buFont typeface="Arial" panose="020B0604020202020204" pitchFamily="34" charset="0"/>
-              <a:buNone/>
-            </a:pPr>
-            <a:r>
-              <a:rPr>
-                <a:sym typeface="+mn-ea"/>
-              </a:rPr>
-              <a:t>就是按键设计的不合理 | 内幕原料还可以就是按键设计的不合理 | 按键布局不合理</a:t>
-            </a:r>
-            <a:endParaRPr>
-              <a:sym typeface="+mn-ea"/>
-            </a:endParaRPr>
-          </a:p>
-          <a:p>
-            <a:pPr indent="0" fontAlgn="auto">
-              <a:spcBef>
-                <a:spcPts val="600"/>
-              </a:spcBef>
-              <a:spcAft>
-                <a:spcPts val="600"/>
-              </a:spcAft>
-              <a:buFont typeface="Arial" panose="020B0604020202020204" pitchFamily="34" charset="0"/>
-              <a:buNone/>
-            </a:pPr>
-            <a:r>
-              <a:rPr>
-                <a:sym typeface="+mn-ea"/>
-              </a:rPr>
-              <a:t>内幕原料还可以就是按键设计的不合理 </a:t>
-            </a:r>
-            <a:endParaRPr>
               <a:sym typeface="+mn-ea"/>
             </a:endParaRPr>
           </a:p>
@@ -21081,10 +21396,10 @@
           </a:bodyPr>
           <a:p>
             <a:r>
-              <a:rPr lang="zh-CN" sz="2400"/>
-              <a:t>错误结果分析</a:t>
-            </a:r>
-            <a:endParaRPr lang="zh-CN" sz="2400"/>
+              <a:rPr lang="zh-CN" altLang="en-US" sz="2400"/>
+              <a:t>结果分析</a:t>
+            </a:r>
+            <a:endParaRPr lang="zh-CN" altLang="en-US" sz="2400"/>
           </a:p>
         </p:txBody>
       </p:sp>
@@ -21096,8 +21411,8 @@
         </p:nvSpPr>
         <p:spPr>
           <a:xfrm>
-            <a:off x="1059815" y="1351280"/>
-            <a:ext cx="10117455" cy="4092575"/>
+            <a:off x="1059815" y="1316355"/>
+            <a:ext cx="10117455" cy="3907790"/>
           </a:xfrm>
           <a:prstGeom prst="rect">
             <a:avLst/>
@@ -21109,11 +21424,29 @@
             <a:spAutoFit/>
           </a:bodyPr>
           <a:p>
+            <a:pPr marL="342900" indent="-342900" fontAlgn="auto">
+              <a:spcBef>
+                <a:spcPts val="600"/>
+              </a:spcBef>
+              <a:buFont typeface="+mj-lt"/>
+              <a:buAutoNum type="arabicPeriod" startAt="3"/>
+            </a:pPr>
+            <a:r>
+              <a:rPr>
+                <a:sym typeface="+mn-ea"/>
+              </a:rPr>
+              <a:t>标签预测正确，但标注短语质量不佳</a:t>
+            </a:r>
+            <a:endParaRPr>
+              <a:sym typeface="+mn-ea"/>
+            </a:endParaRPr>
+          </a:p>
+          <a:p>
             <a:pPr indent="0" fontAlgn="auto">
               <a:spcBef>
                 <a:spcPts val="600"/>
               </a:spcBef>
-              <a:buFont typeface="Arial" panose="020B0604020202020204" pitchFamily="34" charset="0"/>
+              <a:buFont typeface="+mj-lt"/>
               <a:buNone/>
             </a:pPr>
             <a:endParaRPr>
@@ -21121,63 +21454,18 @@
             </a:endParaRPr>
           </a:p>
           <a:p>
-            <a:pPr marL="285750" indent="-285750" fontAlgn="auto">
-              <a:spcBef>
-                <a:spcPts val="600"/>
-              </a:spcBef>
-              <a:buFont typeface="Arial" panose="020B0604020202020204" pitchFamily="34" charset="0"/>
-              <a:buChar char="•"/>
-            </a:pPr>
-            <a:r>
-              <a:rPr>
-                <a:solidFill>
-                  <a:srgbClr val="0070C0"/>
-                </a:solidFill>
-                <a:sym typeface="+mn-ea"/>
-              </a:rPr>
-              <a:t>预测不同，但短语语义符合标签</a:t>
-            </a:r>
-            <a:endParaRPr>
-              <a:solidFill>
-                <a:srgbClr val="0070C0"/>
-              </a:solidFill>
-              <a:sym typeface="+mn-ea"/>
-            </a:endParaRPr>
-          </a:p>
-          <a:p>
             <a:pPr indent="0" fontAlgn="auto">
               <a:spcBef>
                 <a:spcPts val="600"/>
               </a:spcBef>
-              <a:buFont typeface="Arial" panose="020B0604020202020204" pitchFamily="34" charset="0"/>
+              <a:buFont typeface="+mj-lt"/>
               <a:buNone/>
             </a:pPr>
             <a:r>
-              <a:rPr lang="zh-CN">
-                <a:solidFill>
-                  <a:srgbClr val="0070C0"/>
-                </a:solidFill>
-                <a:sym typeface="+mn-ea"/>
-              </a:rPr>
-              <a:t>当</a:t>
-            </a:r>
-            <a:r>
               <a:rPr>
-                <a:solidFill>
-                  <a:srgbClr val="0070C0"/>
-                </a:solidFill>
-                <a:sym typeface="+mn-ea"/>
-              </a:rPr>
-              <a:t>评论中有多个短语都能匹配标签</a:t>
-            </a:r>
-            <a:r>
-              <a:rPr lang="zh-CN">
-                <a:solidFill>
-                  <a:srgbClr val="0070C0"/>
-                </a:solidFill>
-                <a:sym typeface="+mn-ea"/>
-              </a:rPr>
-              <a:t>时，有可能会预测出另一个短语，或者多个短语：</a:t>
+                <a:sym typeface="+mn-ea"/>
+              </a:rPr>
+              <a:t>百公里油耗大约八个左右，现在还觉着能够接受。 | 油耗低</a:t>
             </a:r>
             <a:endParaRPr>
               <a:sym typeface="+mn-ea"/>
@@ -21188,17 +21476,23 @@
               <a:spcBef>
                 <a:spcPts val="600"/>
               </a:spcBef>
-              <a:spcAft>
-                <a:spcPts val="600"/>
-              </a:spcAft>
-              <a:buFont typeface="Arial" panose="020B0604020202020204" pitchFamily="34" charset="0"/>
+              <a:buFont typeface="+mj-lt"/>
               <a:buNone/>
             </a:pPr>
             <a:r>
               <a:rPr>
-                <a:sym typeface="+mn-ea"/>
-              </a:rPr>
-              <a:t>空间要大了不少 | 空间很大 | 空间够大</a:t>
+                <a:solidFill>
+                  <a:srgbClr val="00B0F0"/>
+                </a:solidFill>
+                <a:sym typeface="+mn-ea"/>
+              </a:rPr>
+              <a:t>油耗也不像一般的日系车那么低</a:t>
+            </a:r>
+            <a:r>
+              <a:rPr>
+                <a:sym typeface="+mn-ea"/>
+              </a:rPr>
+              <a:t>，现在还觉着能够接受。 | 油耗低</a:t>
             </a:r>
             <a:endParaRPr>
               <a:sym typeface="+mn-ea"/>
@@ -21209,18 +21503,9 @@
               <a:spcBef>
                 <a:spcPts val="600"/>
               </a:spcBef>
-              <a:spcAft>
-                <a:spcPts val="1800"/>
-              </a:spcAft>
-              <a:buFont typeface="Arial" panose="020B0604020202020204" pitchFamily="34" charset="0"/>
+              <a:buFont typeface="+mj-lt"/>
               <a:buNone/>
             </a:pPr>
-            <a:r>
-              <a:rPr>
-                <a:sym typeface="+mn-ea"/>
-              </a:rPr>
-              <a:t> 空间很大，对比了身边朋友的几款车子，空间要大了不少。</a:t>
-            </a:r>
             <a:endParaRPr>
               <a:sym typeface="+mn-ea"/>
             </a:endParaRPr>
@@ -21230,18 +21515,9 @@
               <a:spcBef>
                 <a:spcPts val="600"/>
               </a:spcBef>
-              <a:spcAft>
-                <a:spcPts val="600"/>
-              </a:spcAft>
-              <a:buFont typeface="Arial" panose="020B0604020202020204" pitchFamily="34" charset="0"/>
+              <a:buFont typeface="+mj-lt"/>
               <a:buNone/>
             </a:pPr>
-            <a:r>
-              <a:rPr>
-                <a:sym typeface="+mn-ea"/>
-              </a:rPr>
-              <a:t>内饰做工用料很扎实 摸到的地方都是软的 | 内饰做工用料很扎实 | 内饰用料好</a:t>
-            </a:r>
             <a:endParaRPr>
               <a:sym typeface="+mn-ea"/>
             </a:endParaRPr>
@@ -21251,17 +21527,20 @@
               <a:spcBef>
                 <a:spcPts val="600"/>
               </a:spcBef>
-              <a:spcAft>
-                <a:spcPts val="600"/>
-              </a:spcAft>
-              <a:buFont typeface="Arial" panose="020B0604020202020204" pitchFamily="34" charset="0"/>
+              <a:buFont typeface="+mj-lt"/>
               <a:buNone/>
             </a:pPr>
             <a:r>
+              <a:rPr lang="en-US">
+                <a:sym typeface="+mn-ea"/>
+              </a:rPr>
+              <a:t>4.  </a:t>
+            </a:r>
+            <a:r>
               <a:rPr>
                 <a:sym typeface="+mn-ea"/>
               </a:rPr>
-              <a:t>内饰做工用料很扎实，摸到的地方都是软的</a:t>
+              <a:t>上下文不通顺，在短语开头为连接词时容易出现这种情况</a:t>
             </a:r>
             <a:endParaRPr>
               <a:sym typeface="+mn-ea"/>
@@ -21272,27 +21551,9 @@
               <a:spcBef>
                 <a:spcPts val="600"/>
               </a:spcBef>
-              <a:buFont typeface="Arial" panose="020B0604020202020204" pitchFamily="34" charset="0"/>
+              <a:buFont typeface="+mj-lt"/>
               <a:buNone/>
             </a:pPr>
-            <a:r>
-              <a:rPr>
-                <a:solidFill>
-                  <a:srgbClr val="0070C0"/>
-                </a:solidFill>
-                <a:sym typeface="+mn-ea"/>
-              </a:rPr>
-              <a:t>    有时预测结果甚至比真实结果更合理</a:t>
-            </a:r>
-            <a:r>
-              <a:rPr lang="zh-CN">
-                <a:solidFill>
-                  <a:srgbClr val="0070C0"/>
-                </a:solidFill>
-                <a:sym typeface="+mn-ea"/>
-              </a:rPr>
-              <a:t>：</a:t>
-            </a:r>
             <a:endParaRPr>
               <a:sym typeface="+mn-ea"/>
             </a:endParaRPr>
@@ -21302,17 +21563,14 @@
               <a:spcBef>
                 <a:spcPts val="600"/>
               </a:spcBef>
-              <a:spcAft>
-                <a:spcPts val="600"/>
-              </a:spcAft>
-              <a:buFont typeface="Arial" panose="020B0604020202020204" pitchFamily="34" charset="0"/>
+              <a:buFont typeface="+mj-lt"/>
               <a:buNone/>
             </a:pPr>
             <a:r>
               <a:rPr>
                 <a:sym typeface="+mn-ea"/>
               </a:rPr>
-              <a:t>就是按键设计的不合理 | 内幕原料还可以就是按键设计的不合理 | 按键布局不合理</a:t>
+              <a:t>相对同款3.0排量来说，雅尊的耗油量比较大。 | 油耗较高</a:t>
             </a:r>
             <a:endParaRPr>
               <a:sym typeface="+mn-ea"/>
@@ -21323,19 +21581,46 @@
               <a:spcBef>
                 <a:spcPts val="600"/>
               </a:spcBef>
-              <a:spcAft>
-                <a:spcPts val="600"/>
-              </a:spcAft>
-              <a:buFont typeface="Arial" panose="020B0604020202020204" pitchFamily="34" charset="0"/>
+              <a:buFont typeface="+mj-lt"/>
               <a:buNone/>
             </a:pPr>
             <a:r>
               <a:rPr>
                 <a:sym typeface="+mn-ea"/>
               </a:rPr>
-              <a:t>内幕原料还可以就是按键设计的不合理 </a:t>
+              <a:t>相对同款3.0排量来说，</a:t>
+            </a:r>
+            <a:r>
+              <a:rPr>
+                <a:solidFill>
+                  <a:srgbClr val="00B0F0"/>
+                </a:solidFill>
+                <a:sym typeface="+mn-ea"/>
+              </a:rPr>
+              <a:t>所以油耗有点高</a:t>
+            </a:r>
+            <a:r>
+              <a:rPr>
+                <a:sym typeface="+mn-ea"/>
+              </a:rPr>
+              <a:t>。 | 油耗偏高</a:t>
             </a:r>
             <a:endParaRPr>
+              <a:sym typeface="+mn-ea"/>
+            </a:endParaRPr>
+          </a:p>
+          <a:p>
+            <a:pPr indent="0" fontAlgn="auto">
+              <a:spcBef>
+                <a:spcPts val="600"/>
+              </a:spcBef>
+              <a:buFont typeface="+mj-lt"/>
+              <a:buNone/>
+            </a:pPr>
+            <a:endParaRPr lang="en-US">
+              <a:solidFill>
+                <a:schemeClr val="tx1"/>
+              </a:solidFill>
               <a:sym typeface="+mn-ea"/>
             </a:endParaRPr>
           </a:p>
@@ -21457,10 +21742,10 @@
           </a:bodyPr>
           <a:p>
             <a:r>
-              <a:rPr lang="zh-CN" sz="2400"/>
-              <a:t>错误结果分析</a:t>
-            </a:r>
-            <a:endParaRPr lang="zh-CN" sz="2400"/>
+              <a:rPr lang="zh-CN" altLang="en-US" sz="2400"/>
+              <a:t>改进计划</a:t>
+            </a:r>
+            <a:endParaRPr lang="zh-CN" altLang="en-US" sz="2400"/>
           </a:p>
         </p:txBody>
       </p:sp>
@@ -21472,8 +21757,8 @@
         </p:nvSpPr>
         <p:spPr>
           <a:xfrm>
-            <a:off x="1059815" y="1351280"/>
-            <a:ext cx="10117455" cy="4092575"/>
+            <a:off x="1059815" y="1316355"/>
+            <a:ext cx="10117455" cy="3122930"/>
           </a:xfrm>
           <a:prstGeom prst="rect">
             <a:avLst/>
@@ -21485,233 +21770,160 @@
             <a:spAutoFit/>
           </a:bodyPr>
           <a:p>
+            <a:pPr marL="342900" indent="-342900" fontAlgn="auto">
+              <a:spcBef>
+                <a:spcPts val="600"/>
+              </a:spcBef>
+              <a:buFont typeface="+mj-lt"/>
+              <a:buAutoNum type="arabicPeriod"/>
+            </a:pPr>
+            <a:r>
+              <a:rPr lang="zh-CN">
+                <a:sym typeface="+mn-ea"/>
+              </a:rPr>
+              <a:t>优化标签预测模型，提高准确率；</a:t>
+            </a:r>
+            <a:endParaRPr lang="zh-CN">
+              <a:sym typeface="+mn-ea"/>
+            </a:endParaRPr>
+          </a:p>
+          <a:p>
+            <a:pPr marL="342900" indent="-342900" fontAlgn="auto">
+              <a:spcBef>
+                <a:spcPts val="600"/>
+              </a:spcBef>
+              <a:buFont typeface="+mj-lt"/>
+              <a:buAutoNum type="arabicPeriod"/>
+            </a:pPr>
+            <a:r>
+              <a:rPr lang="zh-CN">
+                <a:sym typeface="+mn-ea"/>
+              </a:rPr>
+              <a:t>将品牌车型等信息替换为</a:t>
+            </a:r>
+            <a:r>
+              <a:rPr lang="zh-CN" altLang="en-US">
+                <a:sym typeface="+mn-ea"/>
+              </a:rPr>
+              <a:t>评论对应的信息：</a:t>
+            </a:r>
+            <a:br>
+              <a:rPr lang="zh-CN" altLang="en-US">
+                <a:sym typeface="+mn-ea"/>
+              </a:rPr>
+            </a:br>
+            <a:r>
+              <a:rPr lang="zh-CN" altLang="en-US">
+                <a:sym typeface="+mn-ea"/>
+              </a:rPr>
+              <a:t>使用</a:t>
+            </a:r>
+            <a:r>
+              <a:rPr lang="en-US" altLang="zh-CN">
+                <a:sym typeface="+mn-ea"/>
+              </a:rPr>
+              <a:t>NER</a:t>
+            </a:r>
+            <a:r>
+              <a:rPr lang="zh-CN" altLang="en-US">
+                <a:sym typeface="+mn-ea"/>
+              </a:rPr>
+              <a:t>标注，或者用同类信息的列表去搜索；</a:t>
+            </a:r>
+            <a:endParaRPr lang="zh-CN" altLang="en-US">
+              <a:sym typeface="+mn-ea"/>
+            </a:endParaRPr>
+          </a:p>
+          <a:p>
             <a:pPr indent="0" fontAlgn="auto">
               <a:spcBef>
                 <a:spcPts val="600"/>
               </a:spcBef>
-              <a:buFont typeface="Arial" panose="020B0604020202020204" pitchFamily="34" charset="0"/>
+              <a:buFont typeface="+mj-lt"/>
               <a:buNone/>
+            </a:pPr>
+            <a:r>
+              <a:rPr lang="zh-CN" altLang="en-US">
+                <a:sym typeface="+mn-ea"/>
+              </a:rPr>
+              <a:t>      一个难点：短语中存在多个该类信息如何处理？</a:t>
+            </a:r>
+            <a:endParaRPr lang="zh-CN" altLang="en-US">
+              <a:sym typeface="+mn-ea"/>
+            </a:endParaRPr>
+          </a:p>
+          <a:p>
+            <a:pPr marL="342900" indent="-342900" fontAlgn="auto">
+              <a:spcBef>
+                <a:spcPts val="600"/>
+              </a:spcBef>
+              <a:buFont typeface="+mj-lt"/>
+              <a:buAutoNum type="arabicPeriod"/>
+            </a:pPr>
+            <a:endParaRPr lang="zh-CN" altLang="en-US">
+              <a:sym typeface="+mn-ea"/>
+            </a:endParaRPr>
+          </a:p>
+          <a:p>
+            <a:pPr marL="342900" indent="-342900" fontAlgn="auto">
+              <a:spcBef>
+                <a:spcPts val="600"/>
+              </a:spcBef>
+              <a:buFont typeface="+mj-lt"/>
+              <a:buAutoNum type="arabicPeriod"/>
+            </a:pPr>
+            <a:r>
+              <a:rPr lang="zh-CN" altLang="en-US">
+                <a:sym typeface="+mn-ea"/>
+              </a:rPr>
+              <a:t>（一个难点：短语中存在多个该类信息）</a:t>
+            </a:r>
+            <a:endParaRPr lang="zh-CN" altLang="en-US">
+              <a:sym typeface="+mn-ea"/>
+            </a:endParaRPr>
+          </a:p>
+          <a:p>
+            <a:pPr indent="0" fontAlgn="auto">
+              <a:spcBef>
+                <a:spcPts val="600"/>
+              </a:spcBef>
+              <a:buFont typeface="+mj-lt"/>
+              <a:buNone/>
+            </a:pPr>
+            <a:r>
+              <a:rPr lang="zh-CN" altLang="en-US">
+                <a:sym typeface="+mn-ea"/>
+              </a:rPr>
+              <a:t>     </a:t>
+            </a:r>
+            <a:endParaRPr lang="zh-CN" altLang="en-US">
+              <a:sym typeface="+mn-ea"/>
+            </a:endParaRPr>
+          </a:p>
+          <a:p>
+            <a:pPr marL="342900" indent="-342900" fontAlgn="auto">
+              <a:spcBef>
+                <a:spcPts val="600"/>
+              </a:spcBef>
+              <a:buFont typeface="+mj-lt"/>
+              <a:buAutoNum type="arabicPeriod"/>
             </a:pPr>
             <a:endParaRPr>
               <a:sym typeface="+mn-ea"/>
             </a:endParaRPr>
           </a:p>
           <a:p>
-            <a:pPr marL="285750" indent="-285750" fontAlgn="auto">
-              <a:spcBef>
-                <a:spcPts val="600"/>
-              </a:spcBef>
-              <a:buFont typeface="Arial" panose="020B0604020202020204" pitchFamily="34" charset="0"/>
-              <a:buChar char="•"/>
-            </a:pPr>
-            <a:r>
-              <a:rPr>
-                <a:solidFill>
-                  <a:srgbClr val="0070C0"/>
-                </a:solidFill>
-                <a:sym typeface="+mn-ea"/>
-              </a:rPr>
-              <a:t>预测不同，但短语语义符合标签</a:t>
-            </a:r>
-            <a:endParaRPr>
-              <a:solidFill>
-                <a:srgbClr val="0070C0"/>
-              </a:solidFill>
-              <a:sym typeface="+mn-ea"/>
-            </a:endParaRPr>
-          </a:p>
-          <a:p>
             <a:pPr indent="0" fontAlgn="auto">
               <a:spcBef>
                 <a:spcPts val="600"/>
               </a:spcBef>
-              <a:buFont typeface="Arial" panose="020B0604020202020204" pitchFamily="34" charset="0"/>
+              <a:buFont typeface="+mj-lt"/>
               <a:buNone/>
             </a:pPr>
-            <a:r>
-              <a:rPr lang="zh-CN">
-                <a:solidFill>
-                  <a:srgbClr val="0070C0"/>
-                </a:solidFill>
-                <a:sym typeface="+mn-ea"/>
-              </a:rPr>
-              <a:t>当</a:t>
-            </a:r>
-            <a:r>
-              <a:rPr>
-                <a:solidFill>
-                  <a:srgbClr val="0070C0"/>
-                </a:solidFill>
-                <a:sym typeface="+mn-ea"/>
-              </a:rPr>
-              <a:t>评论中有多个短语都能匹配标签</a:t>
-            </a:r>
-            <a:r>
-              <a:rPr lang="zh-CN">
-                <a:solidFill>
-                  <a:srgbClr val="0070C0"/>
-                </a:solidFill>
-                <a:sym typeface="+mn-ea"/>
-              </a:rPr>
-              <a:t>时，有可能会预测出另一个短语，或者多个短语：</a:t>
-            </a:r>
-            <a:endParaRPr>
-              <a:sym typeface="+mn-ea"/>
-            </a:endParaRPr>
-          </a:p>
-          <a:p>
-            <a:pPr indent="0" fontAlgn="auto">
-              <a:spcBef>
-                <a:spcPts val="600"/>
-              </a:spcBef>
-              <a:spcAft>
-                <a:spcPts val="600"/>
-              </a:spcAft>
-              <a:buFont typeface="Arial" panose="020B0604020202020204" pitchFamily="34" charset="0"/>
-              <a:buNone/>
-            </a:pPr>
-            <a:r>
-              <a:rPr>
-                <a:sym typeface="+mn-ea"/>
-              </a:rPr>
-              <a:t>空间要大了不少 | 空间很大 | 空间够大</a:t>
-            </a:r>
-            <a:endParaRPr>
-              <a:sym typeface="+mn-ea"/>
-            </a:endParaRPr>
-          </a:p>
-          <a:p>
-            <a:pPr indent="0" fontAlgn="auto">
-              <a:spcBef>
-                <a:spcPts val="600"/>
-              </a:spcBef>
-              <a:spcAft>
-                <a:spcPts val="1800"/>
-              </a:spcAft>
-              <a:buFont typeface="Arial" panose="020B0604020202020204" pitchFamily="34" charset="0"/>
-              <a:buNone/>
-            </a:pPr>
-            <a:r>
-              <a:rPr>
-                <a:sym typeface="+mn-ea"/>
-              </a:rPr>
-              <a:t> 空间很大，对比了身边朋友的几款车子，空间要大了不少。</a:t>
-            </a:r>
-            <a:endParaRPr>
-              <a:sym typeface="+mn-ea"/>
-            </a:endParaRPr>
-          </a:p>
-          <a:p>
-            <a:pPr indent="0" fontAlgn="auto">
-              <a:spcBef>
-                <a:spcPts val="600"/>
-              </a:spcBef>
-              <a:spcAft>
-                <a:spcPts val="600"/>
-              </a:spcAft>
-              <a:buFont typeface="Arial" panose="020B0604020202020204" pitchFamily="34" charset="0"/>
-              <a:buNone/>
-            </a:pPr>
-            <a:r>
-              <a:rPr>
-                <a:sym typeface="+mn-ea"/>
-              </a:rPr>
-              <a:t>内饰做工用料很扎实 摸到的地方都是软的 | 内饰做工用料很扎实 | 内饰用料好</a:t>
-            </a:r>
-            <a:endParaRPr>
-              <a:sym typeface="+mn-ea"/>
-            </a:endParaRPr>
-          </a:p>
-          <a:p>
-            <a:pPr indent="0" fontAlgn="auto">
-              <a:spcBef>
-                <a:spcPts val="600"/>
-              </a:spcBef>
-              <a:spcAft>
-                <a:spcPts val="600"/>
-              </a:spcAft>
-              <a:buFont typeface="Arial" panose="020B0604020202020204" pitchFamily="34" charset="0"/>
-              <a:buNone/>
-            </a:pPr>
-            <a:r>
-              <a:rPr>
-                <a:sym typeface="+mn-ea"/>
-              </a:rPr>
-              <a:t>内饰做工用料很扎实，摸到的地方都是软的</a:t>
-            </a:r>
-            <a:endParaRPr>
-              <a:sym typeface="+mn-ea"/>
-            </a:endParaRPr>
-          </a:p>
-          <a:p>
-            <a:pPr indent="0" fontAlgn="auto">
-              <a:spcBef>
-                <a:spcPts val="600"/>
-              </a:spcBef>
-              <a:buFont typeface="Arial" panose="020B0604020202020204" pitchFamily="34" charset="0"/>
-              <a:buNone/>
-            </a:pPr>
-            <a:r>
-              <a:rPr>
-                <a:solidFill>
-                  <a:srgbClr val="0070C0"/>
-                </a:solidFill>
-                <a:sym typeface="+mn-ea"/>
-              </a:rPr>
-              <a:t>    有时预测结果甚至比真实结果更合理</a:t>
-            </a:r>
-            <a:r>
-              <a:rPr lang="zh-CN">
-                <a:solidFill>
-                  <a:srgbClr val="0070C0"/>
-                </a:solidFill>
-                <a:sym typeface="+mn-ea"/>
-              </a:rPr>
-              <a:t>：</a:t>
-            </a:r>
-            <a:endParaRPr>
-              <a:sym typeface="+mn-ea"/>
-            </a:endParaRPr>
-          </a:p>
-          <a:p>
-            <a:pPr indent="0" fontAlgn="auto">
-              <a:spcBef>
-                <a:spcPts val="600"/>
-              </a:spcBef>
-              <a:spcAft>
-                <a:spcPts val="600"/>
-              </a:spcAft>
-              <a:buFont typeface="Arial" panose="020B0604020202020204" pitchFamily="34" charset="0"/>
-              <a:buNone/>
-            </a:pPr>
-            <a:r>
-              <a:rPr>
-                <a:sym typeface="+mn-ea"/>
-              </a:rPr>
-              <a:t>就是按键设计的不合理 | 内幕原料还可以就是按键设计的不合理 | 按键布局不合理</a:t>
-            </a:r>
-            <a:endParaRPr>
-              <a:sym typeface="+mn-ea"/>
-            </a:endParaRPr>
-          </a:p>
-          <a:p>
-            <a:pPr indent="0" fontAlgn="auto">
-              <a:spcBef>
-                <a:spcPts val="600"/>
-              </a:spcBef>
-              <a:spcAft>
-                <a:spcPts val="600"/>
-              </a:spcAft>
-              <a:buFont typeface="Arial" panose="020B0604020202020204" pitchFamily="34" charset="0"/>
-              <a:buNone/>
-            </a:pPr>
-            <a:r>
-              <a:rPr>
-                <a:sym typeface="+mn-ea"/>
-              </a:rPr>
-              <a:t>内幕原料还可以就是按键设计的不合理 </a:t>
-            </a:r>
-            <a:endParaRPr>
+            <a:endParaRPr lang="en-US">
+              <a:solidFill>
+                <a:schemeClr val="tx1"/>
+              </a:solidFill>
               <a:sym typeface="+mn-ea"/>
             </a:endParaRPr>
           </a:p>
@@ -21833,158 +22045,12 @@
           </a:bodyPr>
           <a:p>
             <a:r>
-              <a:rPr lang="zh-CN" altLang="en-US" sz="2400"/>
-              <a:t>后续工作</a:t>
+              <a:rPr lang="zh-CN" sz="2400">
+                <a:sym typeface="+mn-ea"/>
+              </a:rPr>
+              <a:t>结果分析</a:t>
             </a:r>
             <a:endParaRPr lang="zh-CN" altLang="en-US" sz="2400"/>
-          </a:p>
-        </p:txBody>
-      </p:sp>
-      <p:sp>
-        <p:nvSpPr>
-          <p:cNvPr id="5" name="文本框 4"/>
-          <p:cNvSpPr txBox="1"/>
-          <p:nvPr/>
-        </p:nvSpPr>
-        <p:spPr>
-          <a:xfrm>
-            <a:off x="1059815" y="1546860"/>
-            <a:ext cx="10117455" cy="2846070"/>
-          </a:xfrm>
-          <a:prstGeom prst="rect">
-            <a:avLst/>
-          </a:prstGeom>
-          <a:noFill/>
-        </p:spPr>
-        <p:txBody>
-          <a:bodyPr wrap="square" rtlCol="0" anchor="t">
-            <a:spAutoFit/>
-          </a:bodyPr>
-          <a:p>
-            <a:pPr marL="342900" indent="-342900" fontAlgn="auto">
-              <a:spcBef>
-                <a:spcPts val="600"/>
-              </a:spcBef>
-              <a:buFont typeface="+mj-lt"/>
-              <a:buAutoNum type="arabicPeriod"/>
-            </a:pPr>
-            <a:r>
-              <a:rPr lang="zh-CN" altLang="en-US"/>
-              <a:t>评论改写：</a:t>
-            </a:r>
-            <a:endParaRPr lang="zh-CN" altLang="en-US"/>
-          </a:p>
-          <a:p>
-            <a:pPr marL="800100" lvl="1" indent="-342900" fontAlgn="auto">
-              <a:spcBef>
-                <a:spcPts val="600"/>
-              </a:spcBef>
-              <a:buFont typeface="Arial" panose="020B0604020202020204" pitchFamily="34" charset="0"/>
-              <a:buChar char="•"/>
-            </a:pPr>
-            <a:r>
-              <a:rPr lang="zh-CN" altLang="en-US">
-                <a:sym typeface="+mn-ea"/>
-              </a:rPr>
-              <a:t>添加新的数据集</a:t>
-            </a:r>
-            <a:endParaRPr lang="zh-CN" altLang="en-US"/>
-          </a:p>
-          <a:p>
-            <a:pPr marL="800100" lvl="1" indent="-342900" fontAlgn="auto">
-              <a:spcBef>
-                <a:spcPts val="600"/>
-              </a:spcBef>
-              <a:buFont typeface="Arial" panose="020B0604020202020204" pitchFamily="34" charset="0"/>
-              <a:buChar char="•"/>
-            </a:pPr>
-            <a:r>
-              <a:rPr lang="en-US" altLang="zh-CN">
-                <a:sym typeface="+mn-ea"/>
-              </a:rPr>
-              <a:t>Transformer-big</a:t>
-            </a:r>
-            <a:r>
-              <a:rPr lang="zh-CN" altLang="en-US">
-                <a:sym typeface="+mn-ea"/>
-              </a:rPr>
-              <a:t>和</a:t>
-            </a:r>
-            <a:r>
-              <a:rPr lang="en-US" altLang="zh-CN">
-                <a:sym typeface="+mn-ea"/>
-              </a:rPr>
-              <a:t>bert</a:t>
-            </a:r>
-            <a:endParaRPr lang="en-US" altLang="zh-CN"/>
-          </a:p>
-          <a:p>
-            <a:pPr marL="800100" lvl="1" indent="-342900" fontAlgn="auto">
-              <a:spcBef>
-                <a:spcPts val="600"/>
-              </a:spcBef>
-              <a:buFont typeface="Arial" panose="020B0604020202020204" pitchFamily="34" charset="0"/>
-              <a:buChar char="•"/>
-            </a:pPr>
-            <a:r>
-              <a:rPr lang="zh-CN" altLang="en-US">
-                <a:sym typeface="+mn-ea"/>
-              </a:rPr>
-              <a:t>调研新的改写方式</a:t>
-            </a:r>
-            <a:endParaRPr lang="zh-CN" altLang="en-US"/>
-          </a:p>
-          <a:p>
-            <a:pPr marL="342900" indent="-342900" fontAlgn="auto">
-              <a:spcBef>
-                <a:spcPts val="600"/>
-              </a:spcBef>
-              <a:buFont typeface="+mj-lt"/>
-              <a:buAutoNum type="arabicPeriod"/>
-            </a:pPr>
-            <a:r>
-              <a:rPr lang="zh-CN" altLang="en-US"/>
-              <a:t>评价系统</a:t>
-            </a:r>
-            <a:endParaRPr lang="zh-CN" altLang="en-US"/>
-          </a:p>
-          <a:p>
-            <a:pPr marL="800100" lvl="1" indent="-342900" fontAlgn="auto">
-              <a:spcBef>
-                <a:spcPts val="600"/>
-              </a:spcBef>
-              <a:buFont typeface="Arial" panose="020B0604020202020204" pitchFamily="34" charset="0"/>
-              <a:buChar char="•"/>
-            </a:pPr>
-            <a:r>
-              <a:rPr lang="zh-CN" altLang="en-US"/>
-              <a:t>查找汽车领域平行语料</a:t>
-            </a:r>
-            <a:endParaRPr lang="zh-CN" altLang="en-US"/>
-          </a:p>
-          <a:p>
-            <a:pPr marL="800100" lvl="1" indent="-342900" fontAlgn="auto">
-              <a:spcBef>
-                <a:spcPts val="600"/>
-              </a:spcBef>
-              <a:buFont typeface="Arial" panose="020B0604020202020204" pitchFamily="34" charset="0"/>
-              <a:buChar char="•"/>
-            </a:pPr>
-            <a:r>
-              <a:rPr lang="zh-CN"/>
-              <a:t>调研新的语义衡量标准</a:t>
-            </a:r>
-            <a:endParaRPr lang="zh-CN" altLang="en-US"/>
-          </a:p>
-          <a:p>
-            <a:pPr marL="800100" lvl="1" indent="-342900" fontAlgn="auto">
-              <a:spcBef>
-                <a:spcPts val="600"/>
-              </a:spcBef>
-              <a:buFont typeface="Arial" panose="020B0604020202020204" pitchFamily="34" charset="0"/>
-              <a:buChar char="•"/>
-            </a:pPr>
-            <a:endParaRPr lang="zh-CN" altLang="en-US"/>
           </a:p>
         </p:txBody>
       </p:sp>
@@ -22090,7 +22156,7 @@
         </p:nvSpPr>
         <p:spPr>
           <a:xfrm>
-            <a:off x="773748" y="727075"/>
+            <a:off x="774383" y="720090"/>
             <a:ext cx="10688955" cy="460375"/>
           </a:xfrm>
           <a:prstGeom prst="rect">
@@ -22104,10 +22170,10 @@
           </a:bodyPr>
           <a:p>
             <a:r>
-              <a:rPr lang="zh-CN" altLang="en-US" sz="2400"/>
-              <a:t>参考文献</a:t>
-            </a:r>
-            <a:endParaRPr lang="zh-CN" altLang="en-US" sz="2400"/>
+              <a:rPr lang="zh-CN" sz="2400"/>
+              <a:t>利用标签对应短语集进行改写</a:t>
+            </a:r>
+            <a:endParaRPr lang="zh-CN" sz="2400"/>
           </a:p>
         </p:txBody>
       </p:sp>
@@ -22119,8 +22185,8 @@
         </p:nvSpPr>
         <p:spPr>
           <a:xfrm>
-            <a:off x="1059815" y="1546860"/>
-            <a:ext cx="10117455" cy="1076325"/>
+            <a:off x="1059815" y="1351280"/>
+            <a:ext cx="10117455" cy="3784600"/>
           </a:xfrm>
           <a:prstGeom prst="rect">
             <a:avLst/>
@@ -22132,42 +22198,205 @@
             <a:spAutoFit/>
           </a:bodyPr>
           <a:p>
-            <a:pPr marL="342900" indent="-342900" fontAlgn="auto">
+            <a:pPr indent="0" fontAlgn="auto">
               <a:spcBef>
                 <a:spcPts val="600"/>
               </a:spcBef>
-              <a:buFont typeface="+mj-lt"/>
-              <a:buAutoNum type="arabicPeriod"/>
+              <a:buFont typeface="Arial" panose="020B0604020202020204" pitchFamily="34" charset="0"/>
+              <a:buNone/>
             </a:pPr>
-            <a:r>
-              <a:rPr lang="zh-CN" altLang="en-US"/>
-              <a:t>《PEM: A Paraphrase Evaluation Metric Exploiting Parallel Texts》</a:t>
-            </a:r>
-            <a:endParaRPr lang="zh-CN" altLang="en-US"/>
-          </a:p>
-          <a:p>
-            <a:pPr marL="342900" indent="-342900" fontAlgn="auto">
-              <a:spcBef>
-                <a:spcPts val="600"/>
-              </a:spcBef>
-              <a:buFont typeface="+mj-lt"/>
-              <a:buAutoNum type="arabicPeriod"/>
-            </a:pPr>
-            <a:r>
-              <a:rPr lang="zh-CN" altLang="en-US"/>
-              <a:t>https://blog.csdn.net/han_xiaoyang/article/details/10298821</a:t>
-            </a:r>
-            <a:endParaRPr lang="zh-CN" altLang="en-US"/>
-          </a:p>
-          <a:p>
-            <a:pPr marL="800100" lvl="1" indent="-342900" fontAlgn="auto">
+            <a:endParaRPr>
+              <a:sym typeface="+mn-ea"/>
+            </a:endParaRPr>
+          </a:p>
+          <a:p>
+            <a:pPr marL="285750" indent="-285750" fontAlgn="auto">
               <a:spcBef>
                 <a:spcPts val="600"/>
               </a:spcBef>
               <a:buFont typeface="Arial" panose="020B0604020202020204" pitchFamily="34" charset="0"/>
               <a:buChar char="•"/>
             </a:pPr>
-            <a:endParaRPr lang="zh-CN" altLang="en-US"/>
+            <a:r>
+              <a:rPr lang="en-US">
+                <a:sym typeface="+mn-ea"/>
+              </a:rPr>
+              <a:t>实验结果：</a:t>
+            </a:r>
+            <a:endParaRPr lang="en-US">
+              <a:solidFill>
+                <a:schemeClr val="tx1"/>
+              </a:solidFill>
+              <a:sym typeface="+mn-ea"/>
+            </a:endParaRPr>
+          </a:p>
+          <a:p>
+            <a:pPr indent="0" fontAlgn="auto">
+              <a:spcBef>
+                <a:spcPts val="600"/>
+              </a:spcBef>
+              <a:buFont typeface="+mj-lt"/>
+              <a:buNone/>
+            </a:pPr>
+            <a:r>
+              <a:rPr lang="en-US">
+                <a:sym typeface="+mn-ea"/>
+              </a:rPr>
+              <a:t>accuracy:  0.900	  precision:   0.935</a:t>
+            </a:r>
+            <a:endParaRPr lang="en-US">
+              <a:solidFill>
+                <a:schemeClr val="tx1"/>
+              </a:solidFill>
+              <a:sym typeface="+mn-ea"/>
+            </a:endParaRPr>
+          </a:p>
+          <a:p>
+            <a:pPr indent="0" fontAlgn="auto">
+              <a:spcBef>
+                <a:spcPts val="600"/>
+              </a:spcBef>
+              <a:buFont typeface="+mj-lt"/>
+              <a:buNone/>
+            </a:pPr>
+            <a:r>
+              <a:rPr lang="en-US">
+                <a:sym typeface="+mn-ea"/>
+              </a:rPr>
+              <a:t>recall:        0.926	  f1-score:     0.928</a:t>
+            </a:r>
+            <a:endParaRPr lang="en-US">
+              <a:solidFill>
+                <a:schemeClr val="tx1"/>
+              </a:solidFill>
+              <a:sym typeface="+mn-ea"/>
+            </a:endParaRPr>
+          </a:p>
+          <a:p>
+            <a:pPr marL="285750" indent="-285750" fontAlgn="auto">
+              <a:spcBef>
+                <a:spcPts val="600"/>
+              </a:spcBef>
+              <a:buFont typeface="Arial" panose="020B0604020202020204" pitchFamily="34" charset="0"/>
+              <a:buChar char="•"/>
+            </a:pPr>
+            <a:endParaRPr>
+              <a:sym typeface="+mn-ea"/>
+            </a:endParaRPr>
+          </a:p>
+          <a:p>
+            <a:pPr indent="0" fontAlgn="auto">
+              <a:spcBef>
+                <a:spcPts val="600"/>
+              </a:spcBef>
+              <a:spcAft>
+                <a:spcPts val="600"/>
+              </a:spcAft>
+              <a:buFont typeface="Arial" panose="020B0604020202020204" pitchFamily="34" charset="0"/>
+              <a:buNone/>
+            </a:pPr>
+            <a:r>
+              <a:rPr>
+                <a:sym typeface="+mn-ea"/>
+              </a:rPr>
+              <a:t>内饰做工用料很扎实 摸到的地方都是软的 | 内饰做工用料很扎实 | 内饰用料好</a:t>
+            </a:r>
+            <a:endParaRPr>
+              <a:sym typeface="+mn-ea"/>
+            </a:endParaRPr>
+          </a:p>
+          <a:p>
+            <a:pPr indent="0" fontAlgn="auto">
+              <a:spcBef>
+                <a:spcPts val="600"/>
+              </a:spcBef>
+              <a:spcAft>
+                <a:spcPts val="600"/>
+              </a:spcAft>
+              <a:buFont typeface="Arial" panose="020B0604020202020204" pitchFamily="34" charset="0"/>
+              <a:buNone/>
+            </a:pPr>
+            <a:r>
+              <a:rPr>
+                <a:sym typeface="+mn-ea"/>
+              </a:rPr>
+              <a:t>内饰做工用料很扎实，摸到的地方都是软的</a:t>
+            </a:r>
+            <a:endParaRPr>
+              <a:sym typeface="+mn-ea"/>
+            </a:endParaRPr>
+          </a:p>
+          <a:p>
+            <a:pPr indent="0" fontAlgn="auto">
+              <a:spcBef>
+                <a:spcPts val="600"/>
+              </a:spcBef>
+              <a:buFont typeface="Arial" panose="020B0604020202020204" pitchFamily="34" charset="0"/>
+              <a:buNone/>
+            </a:pPr>
+            <a:r>
+              <a:rPr>
+                <a:solidFill>
+                  <a:srgbClr val="0070C0"/>
+                </a:solidFill>
+                <a:sym typeface="+mn-ea"/>
+              </a:rPr>
+              <a:t>    有时预测结果甚至比真实结果更合理</a:t>
+            </a:r>
+            <a:r>
+              <a:rPr lang="zh-CN">
+                <a:solidFill>
+                  <a:srgbClr val="0070C0"/>
+                </a:solidFill>
+                <a:sym typeface="+mn-ea"/>
+              </a:rPr>
+              <a:t>：</a:t>
+            </a:r>
+            <a:endParaRPr>
+              <a:sym typeface="+mn-ea"/>
+            </a:endParaRPr>
+          </a:p>
+          <a:p>
+            <a:pPr indent="0" fontAlgn="auto">
+              <a:spcBef>
+                <a:spcPts val="600"/>
+              </a:spcBef>
+              <a:spcAft>
+                <a:spcPts val="600"/>
+              </a:spcAft>
+              <a:buFont typeface="Arial" panose="020B0604020202020204" pitchFamily="34" charset="0"/>
+              <a:buNone/>
+            </a:pPr>
+            <a:r>
+              <a:rPr>
+                <a:sym typeface="+mn-ea"/>
+              </a:rPr>
+              <a:t>就是按键设计的不合理 | 内幕原料还可以就是按键设计的不合理 | 按键布局不合理</a:t>
+            </a:r>
+            <a:endParaRPr>
+              <a:sym typeface="+mn-ea"/>
+            </a:endParaRPr>
+          </a:p>
+          <a:p>
+            <a:pPr indent="0" fontAlgn="auto">
+              <a:spcBef>
+                <a:spcPts val="600"/>
+              </a:spcBef>
+              <a:spcAft>
+                <a:spcPts val="600"/>
+              </a:spcAft>
+              <a:buFont typeface="Arial" panose="020B0604020202020204" pitchFamily="34" charset="0"/>
+              <a:buNone/>
+            </a:pPr>
+            <a:r>
+              <a:rPr>
+                <a:sym typeface="+mn-ea"/>
+              </a:rPr>
+              <a:t>内幕原料还可以就是按键设计的不合理 </a:t>
+            </a:r>
+            <a:endParaRPr>
+              <a:sym typeface="+mn-ea"/>
+            </a:endParaRPr>
           </a:p>
         </p:txBody>
       </p:sp>
@@ -22183,6 +22412,1212 @@
 </file>
 
 <file path=ppt/slides/slide45.xml><?xml version="1.0" encoding="utf-8"?>
+<p:sld xmlns:a="http://schemas.openxmlformats.org/drawingml/2006/main" xmlns:r="http://schemas.openxmlformats.org/officeDocument/2006/relationships" xmlns:p="http://schemas.openxmlformats.org/presentationml/2006/main">
+  <p:cSld>
+    <p:bg>
+      <p:bgPr>
+        <a:noFill/>
+        <a:effectLst/>
+      </p:bgPr>
+    </p:bg>
+    <p:spTree>
+      <p:nvGrpSpPr>
+        <p:cNvPr id="1" name=""/>
+        <p:cNvGrpSpPr/>
+        <p:nvPr/>
+      </p:nvGrpSpPr>
+      <p:grpSpPr/>
+      <p:cxnSp>
+        <p:nvCxnSpPr>
+          <p:cNvPr id="25" name="直接连接符 24"/>
+          <p:cNvCxnSpPr/>
+          <p:nvPr/>
+        </p:nvCxnSpPr>
+        <p:spPr>
+          <a:xfrm flipH="1">
+            <a:off x="773748" y="1180465"/>
+            <a:ext cx="10643235" cy="0"/>
+          </a:xfrm>
+          <a:prstGeom prst="line">
+            <a:avLst/>
+          </a:prstGeom>
+        </p:spPr>
+        <p:style>
+          <a:lnRef idx="1">
+            <a:schemeClr val="accent1"/>
+          </a:lnRef>
+          <a:fillRef idx="0">
+            <a:schemeClr val="accent1"/>
+          </a:fillRef>
+          <a:effectRef idx="0">
+            <a:schemeClr val="accent1"/>
+          </a:effectRef>
+          <a:fontRef idx="minor">
+            <a:schemeClr val="tx1"/>
+          </a:fontRef>
+        </p:style>
+      </p:cxnSp>
+      <p:cxnSp>
+        <p:nvCxnSpPr>
+          <p:cNvPr id="13" name="直接连接符 12"/>
+          <p:cNvCxnSpPr/>
+          <p:nvPr/>
+        </p:nvCxnSpPr>
+        <p:spPr>
+          <a:xfrm flipH="1">
+            <a:off x="774383" y="6188710"/>
+            <a:ext cx="10643235" cy="0"/>
+          </a:xfrm>
+          <a:prstGeom prst="line">
+            <a:avLst/>
+          </a:prstGeom>
+          <a:ln w="19050">
+            <a:solidFill>
+              <a:schemeClr val="bg1">
+                <a:lumMod val="65000"/>
+              </a:schemeClr>
+            </a:solidFill>
+          </a:ln>
+        </p:spPr>
+        <p:style>
+          <a:lnRef idx="1">
+            <a:schemeClr val="accent1"/>
+          </a:lnRef>
+          <a:fillRef idx="0">
+            <a:schemeClr val="accent1"/>
+          </a:fillRef>
+          <a:effectRef idx="0">
+            <a:schemeClr val="accent1"/>
+          </a:effectRef>
+          <a:fontRef idx="minor">
+            <a:schemeClr val="tx1"/>
+          </a:fontRef>
+        </p:style>
+      </p:cxnSp>
+      <p:sp>
+        <p:nvSpPr>
+          <p:cNvPr id="4" name="文本框 3"/>
+          <p:cNvSpPr txBox="1"/>
+          <p:nvPr/>
+        </p:nvSpPr>
+        <p:spPr>
+          <a:xfrm>
+            <a:off x="773748" y="727075"/>
+            <a:ext cx="10688955" cy="460375"/>
+          </a:xfrm>
+          <a:prstGeom prst="rect">
+            <a:avLst/>
+          </a:prstGeom>
+          <a:noFill/>
+        </p:spPr>
+        <p:txBody>
+          <a:bodyPr wrap="square" rtlCol="0">
+            <a:spAutoFit/>
+          </a:bodyPr>
+          <a:p>
+            <a:r>
+              <a:rPr lang="zh-CN" sz="2400"/>
+              <a:t>错误结果分析</a:t>
+            </a:r>
+            <a:endParaRPr lang="zh-CN" sz="2400"/>
+          </a:p>
+        </p:txBody>
+      </p:sp>
+      <p:sp>
+        <p:nvSpPr>
+          <p:cNvPr id="5" name="文本框 4"/>
+          <p:cNvSpPr txBox="1"/>
+          <p:nvPr/>
+        </p:nvSpPr>
+        <p:spPr>
+          <a:xfrm>
+            <a:off x="1059815" y="1351280"/>
+            <a:ext cx="10117455" cy="4092575"/>
+          </a:xfrm>
+          <a:prstGeom prst="rect">
+            <a:avLst/>
+          </a:prstGeom>
+          <a:noFill/>
+        </p:spPr>
+        <p:txBody>
+          <a:bodyPr wrap="square" rtlCol="0" anchor="t">
+            <a:spAutoFit/>
+          </a:bodyPr>
+          <a:p>
+            <a:pPr indent="0" fontAlgn="auto">
+              <a:spcBef>
+                <a:spcPts val="600"/>
+              </a:spcBef>
+              <a:buFont typeface="Arial" panose="020B0604020202020204" pitchFamily="34" charset="0"/>
+              <a:buNone/>
+            </a:pPr>
+            <a:endParaRPr>
+              <a:sym typeface="+mn-ea"/>
+            </a:endParaRPr>
+          </a:p>
+          <a:p>
+            <a:pPr marL="285750" indent="-285750" fontAlgn="auto">
+              <a:spcBef>
+                <a:spcPts val="600"/>
+              </a:spcBef>
+              <a:buFont typeface="Arial" panose="020B0604020202020204" pitchFamily="34" charset="0"/>
+              <a:buChar char="•"/>
+            </a:pPr>
+            <a:r>
+              <a:rPr>
+                <a:solidFill>
+                  <a:srgbClr val="0070C0"/>
+                </a:solidFill>
+                <a:sym typeface="+mn-ea"/>
+              </a:rPr>
+              <a:t>预测不同，但短语语义符合标签</a:t>
+            </a:r>
+            <a:endParaRPr>
+              <a:solidFill>
+                <a:srgbClr val="0070C0"/>
+              </a:solidFill>
+              <a:sym typeface="+mn-ea"/>
+            </a:endParaRPr>
+          </a:p>
+          <a:p>
+            <a:pPr indent="0" fontAlgn="auto">
+              <a:spcBef>
+                <a:spcPts val="600"/>
+              </a:spcBef>
+              <a:buFont typeface="Arial" panose="020B0604020202020204" pitchFamily="34" charset="0"/>
+              <a:buNone/>
+            </a:pPr>
+            <a:r>
+              <a:rPr lang="zh-CN">
+                <a:solidFill>
+                  <a:srgbClr val="0070C0"/>
+                </a:solidFill>
+                <a:sym typeface="+mn-ea"/>
+              </a:rPr>
+              <a:t>当</a:t>
+            </a:r>
+            <a:r>
+              <a:rPr>
+                <a:solidFill>
+                  <a:srgbClr val="0070C0"/>
+                </a:solidFill>
+                <a:sym typeface="+mn-ea"/>
+              </a:rPr>
+              <a:t>评论中有多个短语都能匹配标签</a:t>
+            </a:r>
+            <a:r>
+              <a:rPr lang="zh-CN">
+                <a:solidFill>
+                  <a:srgbClr val="0070C0"/>
+                </a:solidFill>
+                <a:sym typeface="+mn-ea"/>
+              </a:rPr>
+              <a:t>时，有可能会预测出另一个短语，或者多个短语：</a:t>
+            </a:r>
+            <a:endParaRPr>
+              <a:sym typeface="+mn-ea"/>
+            </a:endParaRPr>
+          </a:p>
+          <a:p>
+            <a:pPr indent="0" fontAlgn="auto">
+              <a:spcBef>
+                <a:spcPts val="600"/>
+              </a:spcBef>
+              <a:spcAft>
+                <a:spcPts val="600"/>
+              </a:spcAft>
+              <a:buFont typeface="Arial" panose="020B0604020202020204" pitchFamily="34" charset="0"/>
+              <a:buNone/>
+            </a:pPr>
+            <a:r>
+              <a:rPr>
+                <a:sym typeface="+mn-ea"/>
+              </a:rPr>
+              <a:t>空间要大了不少 | 空间很大 | 空间够大</a:t>
+            </a:r>
+            <a:endParaRPr>
+              <a:sym typeface="+mn-ea"/>
+            </a:endParaRPr>
+          </a:p>
+          <a:p>
+            <a:pPr indent="0" fontAlgn="auto">
+              <a:spcBef>
+                <a:spcPts val="600"/>
+              </a:spcBef>
+              <a:spcAft>
+                <a:spcPts val="1800"/>
+              </a:spcAft>
+              <a:buFont typeface="Arial" panose="020B0604020202020204" pitchFamily="34" charset="0"/>
+              <a:buNone/>
+            </a:pPr>
+            <a:r>
+              <a:rPr>
+                <a:sym typeface="+mn-ea"/>
+              </a:rPr>
+              <a:t> 空间很大，对比了身边朋友的几款车子，空间要大了不少。</a:t>
+            </a:r>
+            <a:endParaRPr>
+              <a:sym typeface="+mn-ea"/>
+            </a:endParaRPr>
+          </a:p>
+          <a:p>
+            <a:pPr indent="0" fontAlgn="auto">
+              <a:spcBef>
+                <a:spcPts val="600"/>
+              </a:spcBef>
+              <a:spcAft>
+                <a:spcPts val="600"/>
+              </a:spcAft>
+              <a:buFont typeface="Arial" panose="020B0604020202020204" pitchFamily="34" charset="0"/>
+              <a:buNone/>
+            </a:pPr>
+            <a:r>
+              <a:rPr>
+                <a:sym typeface="+mn-ea"/>
+              </a:rPr>
+              <a:t>内饰做工用料很扎实 摸到的地方都是软的 | 内饰做工用料很扎实 | 内饰用料好</a:t>
+            </a:r>
+            <a:endParaRPr>
+              <a:sym typeface="+mn-ea"/>
+            </a:endParaRPr>
+          </a:p>
+          <a:p>
+            <a:pPr indent="0" fontAlgn="auto">
+              <a:spcBef>
+                <a:spcPts val="600"/>
+              </a:spcBef>
+              <a:spcAft>
+                <a:spcPts val="600"/>
+              </a:spcAft>
+              <a:buFont typeface="Arial" panose="020B0604020202020204" pitchFamily="34" charset="0"/>
+              <a:buNone/>
+            </a:pPr>
+            <a:r>
+              <a:rPr>
+                <a:sym typeface="+mn-ea"/>
+              </a:rPr>
+              <a:t>内饰做工用料很扎实，摸到的地方都是软的</a:t>
+            </a:r>
+            <a:endParaRPr>
+              <a:sym typeface="+mn-ea"/>
+            </a:endParaRPr>
+          </a:p>
+          <a:p>
+            <a:pPr indent="0" fontAlgn="auto">
+              <a:spcBef>
+                <a:spcPts val="600"/>
+              </a:spcBef>
+              <a:buFont typeface="Arial" panose="020B0604020202020204" pitchFamily="34" charset="0"/>
+              <a:buNone/>
+            </a:pPr>
+            <a:r>
+              <a:rPr>
+                <a:solidFill>
+                  <a:srgbClr val="0070C0"/>
+                </a:solidFill>
+                <a:sym typeface="+mn-ea"/>
+              </a:rPr>
+              <a:t>    有时预测结果甚至比真实结果更合理</a:t>
+            </a:r>
+            <a:r>
+              <a:rPr lang="zh-CN">
+                <a:solidFill>
+                  <a:srgbClr val="0070C0"/>
+                </a:solidFill>
+                <a:sym typeface="+mn-ea"/>
+              </a:rPr>
+              <a:t>：</a:t>
+            </a:r>
+            <a:endParaRPr>
+              <a:sym typeface="+mn-ea"/>
+            </a:endParaRPr>
+          </a:p>
+          <a:p>
+            <a:pPr indent="0" fontAlgn="auto">
+              <a:spcBef>
+                <a:spcPts val="600"/>
+              </a:spcBef>
+              <a:spcAft>
+                <a:spcPts val="600"/>
+              </a:spcAft>
+              <a:buFont typeface="Arial" panose="020B0604020202020204" pitchFamily="34" charset="0"/>
+              <a:buNone/>
+            </a:pPr>
+            <a:r>
+              <a:rPr>
+                <a:sym typeface="+mn-ea"/>
+              </a:rPr>
+              <a:t>就是按键设计的不合理 | 内幕原料还可以就是按键设计的不合理 | 按键布局不合理</a:t>
+            </a:r>
+            <a:endParaRPr>
+              <a:sym typeface="+mn-ea"/>
+            </a:endParaRPr>
+          </a:p>
+          <a:p>
+            <a:pPr indent="0" fontAlgn="auto">
+              <a:spcBef>
+                <a:spcPts val="600"/>
+              </a:spcBef>
+              <a:spcAft>
+                <a:spcPts val="600"/>
+              </a:spcAft>
+              <a:buFont typeface="Arial" panose="020B0604020202020204" pitchFamily="34" charset="0"/>
+              <a:buNone/>
+            </a:pPr>
+            <a:r>
+              <a:rPr>
+                <a:sym typeface="+mn-ea"/>
+              </a:rPr>
+              <a:t>内幕原料还可以就是按键设计的不合理 </a:t>
+            </a:r>
+            <a:endParaRPr>
+              <a:sym typeface="+mn-ea"/>
+            </a:endParaRPr>
+          </a:p>
+        </p:txBody>
+      </p:sp>
+    </p:spTree>
+    <p:custDataLst>
+      <p:tags r:id="rId1"/>
+    </p:custDataLst>
+  </p:cSld>
+  <p:clrMapOvr>
+    <a:masterClrMapping/>
+  </p:clrMapOvr>
+</p:sld>
+</file>
+
+<file path=ppt/slides/slide46.xml><?xml version="1.0" encoding="utf-8"?>
+<p:sld xmlns:a="http://schemas.openxmlformats.org/drawingml/2006/main" xmlns:r="http://schemas.openxmlformats.org/officeDocument/2006/relationships" xmlns:p="http://schemas.openxmlformats.org/presentationml/2006/main">
+  <p:cSld>
+    <p:bg>
+      <p:bgPr>
+        <a:noFill/>
+        <a:effectLst/>
+      </p:bgPr>
+    </p:bg>
+    <p:spTree>
+      <p:nvGrpSpPr>
+        <p:cNvPr id="1" name=""/>
+        <p:cNvGrpSpPr/>
+        <p:nvPr/>
+      </p:nvGrpSpPr>
+      <p:grpSpPr/>
+      <p:cxnSp>
+        <p:nvCxnSpPr>
+          <p:cNvPr id="25" name="直接连接符 24"/>
+          <p:cNvCxnSpPr/>
+          <p:nvPr/>
+        </p:nvCxnSpPr>
+        <p:spPr>
+          <a:xfrm flipH="1">
+            <a:off x="773748" y="1180465"/>
+            <a:ext cx="10643235" cy="0"/>
+          </a:xfrm>
+          <a:prstGeom prst="line">
+            <a:avLst/>
+          </a:prstGeom>
+        </p:spPr>
+        <p:style>
+          <a:lnRef idx="1">
+            <a:schemeClr val="accent1"/>
+          </a:lnRef>
+          <a:fillRef idx="0">
+            <a:schemeClr val="accent1"/>
+          </a:fillRef>
+          <a:effectRef idx="0">
+            <a:schemeClr val="accent1"/>
+          </a:effectRef>
+          <a:fontRef idx="minor">
+            <a:schemeClr val="tx1"/>
+          </a:fontRef>
+        </p:style>
+      </p:cxnSp>
+      <p:cxnSp>
+        <p:nvCxnSpPr>
+          <p:cNvPr id="13" name="直接连接符 12"/>
+          <p:cNvCxnSpPr/>
+          <p:nvPr/>
+        </p:nvCxnSpPr>
+        <p:spPr>
+          <a:xfrm flipH="1">
+            <a:off x="774383" y="6188710"/>
+            <a:ext cx="10643235" cy="0"/>
+          </a:xfrm>
+          <a:prstGeom prst="line">
+            <a:avLst/>
+          </a:prstGeom>
+          <a:ln w="19050">
+            <a:solidFill>
+              <a:schemeClr val="bg1">
+                <a:lumMod val="65000"/>
+              </a:schemeClr>
+            </a:solidFill>
+          </a:ln>
+        </p:spPr>
+        <p:style>
+          <a:lnRef idx="1">
+            <a:schemeClr val="accent1"/>
+          </a:lnRef>
+          <a:fillRef idx="0">
+            <a:schemeClr val="accent1"/>
+          </a:fillRef>
+          <a:effectRef idx="0">
+            <a:schemeClr val="accent1"/>
+          </a:effectRef>
+          <a:fontRef idx="minor">
+            <a:schemeClr val="tx1"/>
+          </a:fontRef>
+        </p:style>
+      </p:cxnSp>
+      <p:sp>
+        <p:nvSpPr>
+          <p:cNvPr id="4" name="文本框 3"/>
+          <p:cNvSpPr txBox="1"/>
+          <p:nvPr/>
+        </p:nvSpPr>
+        <p:spPr>
+          <a:xfrm>
+            <a:off x="773748" y="727075"/>
+            <a:ext cx="10688955" cy="460375"/>
+          </a:xfrm>
+          <a:prstGeom prst="rect">
+            <a:avLst/>
+          </a:prstGeom>
+          <a:noFill/>
+        </p:spPr>
+        <p:txBody>
+          <a:bodyPr wrap="square" rtlCol="0">
+            <a:spAutoFit/>
+          </a:bodyPr>
+          <a:p>
+            <a:r>
+              <a:rPr lang="zh-CN" sz="2400"/>
+              <a:t>错误结果分析</a:t>
+            </a:r>
+            <a:endParaRPr lang="zh-CN" sz="2400"/>
+          </a:p>
+        </p:txBody>
+      </p:sp>
+      <p:sp>
+        <p:nvSpPr>
+          <p:cNvPr id="5" name="文本框 4"/>
+          <p:cNvSpPr txBox="1"/>
+          <p:nvPr/>
+        </p:nvSpPr>
+        <p:spPr>
+          <a:xfrm>
+            <a:off x="1059815" y="1351280"/>
+            <a:ext cx="10117455" cy="4092575"/>
+          </a:xfrm>
+          <a:prstGeom prst="rect">
+            <a:avLst/>
+          </a:prstGeom>
+          <a:noFill/>
+        </p:spPr>
+        <p:txBody>
+          <a:bodyPr wrap="square" rtlCol="0" anchor="t">
+            <a:spAutoFit/>
+          </a:bodyPr>
+          <a:p>
+            <a:pPr indent="0" fontAlgn="auto">
+              <a:spcBef>
+                <a:spcPts val="600"/>
+              </a:spcBef>
+              <a:buFont typeface="Arial" panose="020B0604020202020204" pitchFamily="34" charset="0"/>
+              <a:buNone/>
+            </a:pPr>
+            <a:endParaRPr>
+              <a:sym typeface="+mn-ea"/>
+            </a:endParaRPr>
+          </a:p>
+          <a:p>
+            <a:pPr marL="285750" indent="-285750" fontAlgn="auto">
+              <a:spcBef>
+                <a:spcPts val="600"/>
+              </a:spcBef>
+              <a:buFont typeface="Arial" panose="020B0604020202020204" pitchFamily="34" charset="0"/>
+              <a:buChar char="•"/>
+            </a:pPr>
+            <a:r>
+              <a:rPr>
+                <a:solidFill>
+                  <a:srgbClr val="0070C0"/>
+                </a:solidFill>
+                <a:sym typeface="+mn-ea"/>
+              </a:rPr>
+              <a:t>预测不同，但短语语义符合标签</a:t>
+            </a:r>
+            <a:endParaRPr>
+              <a:solidFill>
+                <a:srgbClr val="0070C0"/>
+              </a:solidFill>
+              <a:sym typeface="+mn-ea"/>
+            </a:endParaRPr>
+          </a:p>
+          <a:p>
+            <a:pPr indent="0" fontAlgn="auto">
+              <a:spcBef>
+                <a:spcPts val="600"/>
+              </a:spcBef>
+              <a:buFont typeface="Arial" panose="020B0604020202020204" pitchFamily="34" charset="0"/>
+              <a:buNone/>
+            </a:pPr>
+            <a:r>
+              <a:rPr lang="zh-CN">
+                <a:solidFill>
+                  <a:srgbClr val="0070C0"/>
+                </a:solidFill>
+                <a:sym typeface="+mn-ea"/>
+              </a:rPr>
+              <a:t>当</a:t>
+            </a:r>
+            <a:r>
+              <a:rPr>
+                <a:solidFill>
+                  <a:srgbClr val="0070C0"/>
+                </a:solidFill>
+                <a:sym typeface="+mn-ea"/>
+              </a:rPr>
+              <a:t>评论中有多个短语都能匹配标签</a:t>
+            </a:r>
+            <a:r>
+              <a:rPr lang="zh-CN">
+                <a:solidFill>
+                  <a:srgbClr val="0070C0"/>
+                </a:solidFill>
+                <a:sym typeface="+mn-ea"/>
+              </a:rPr>
+              <a:t>时，有可能会预测出另一个短语，或者多个短语：</a:t>
+            </a:r>
+            <a:endParaRPr>
+              <a:sym typeface="+mn-ea"/>
+            </a:endParaRPr>
+          </a:p>
+          <a:p>
+            <a:pPr indent="0" fontAlgn="auto">
+              <a:spcBef>
+                <a:spcPts val="600"/>
+              </a:spcBef>
+              <a:spcAft>
+                <a:spcPts val="600"/>
+              </a:spcAft>
+              <a:buFont typeface="Arial" panose="020B0604020202020204" pitchFamily="34" charset="0"/>
+              <a:buNone/>
+            </a:pPr>
+            <a:r>
+              <a:rPr>
+                <a:sym typeface="+mn-ea"/>
+              </a:rPr>
+              <a:t>空间要大了不少 | 空间很大 | 空间够大</a:t>
+            </a:r>
+            <a:endParaRPr>
+              <a:sym typeface="+mn-ea"/>
+            </a:endParaRPr>
+          </a:p>
+          <a:p>
+            <a:pPr indent="0" fontAlgn="auto">
+              <a:spcBef>
+                <a:spcPts val="600"/>
+              </a:spcBef>
+              <a:spcAft>
+                <a:spcPts val="1800"/>
+              </a:spcAft>
+              <a:buFont typeface="Arial" panose="020B0604020202020204" pitchFamily="34" charset="0"/>
+              <a:buNone/>
+            </a:pPr>
+            <a:r>
+              <a:rPr>
+                <a:sym typeface="+mn-ea"/>
+              </a:rPr>
+              <a:t> 空间很大，对比了身边朋友的几款车子，空间要大了不少。</a:t>
+            </a:r>
+            <a:endParaRPr>
+              <a:sym typeface="+mn-ea"/>
+            </a:endParaRPr>
+          </a:p>
+          <a:p>
+            <a:pPr indent="0" fontAlgn="auto">
+              <a:spcBef>
+                <a:spcPts val="600"/>
+              </a:spcBef>
+              <a:spcAft>
+                <a:spcPts val="600"/>
+              </a:spcAft>
+              <a:buFont typeface="Arial" panose="020B0604020202020204" pitchFamily="34" charset="0"/>
+              <a:buNone/>
+            </a:pPr>
+            <a:r>
+              <a:rPr>
+                <a:sym typeface="+mn-ea"/>
+              </a:rPr>
+              <a:t>内饰做工用料很扎实 摸到的地方都是软的 | 内饰做工用料很扎实 | 内饰用料好</a:t>
+            </a:r>
+            <a:endParaRPr>
+              <a:sym typeface="+mn-ea"/>
+            </a:endParaRPr>
+          </a:p>
+          <a:p>
+            <a:pPr indent="0" fontAlgn="auto">
+              <a:spcBef>
+                <a:spcPts val="600"/>
+              </a:spcBef>
+              <a:spcAft>
+                <a:spcPts val="600"/>
+              </a:spcAft>
+              <a:buFont typeface="Arial" panose="020B0604020202020204" pitchFamily="34" charset="0"/>
+              <a:buNone/>
+            </a:pPr>
+            <a:r>
+              <a:rPr>
+                <a:sym typeface="+mn-ea"/>
+              </a:rPr>
+              <a:t>内饰做工用料很扎实，摸到的地方都是软的</a:t>
+            </a:r>
+            <a:endParaRPr>
+              <a:sym typeface="+mn-ea"/>
+            </a:endParaRPr>
+          </a:p>
+          <a:p>
+            <a:pPr indent="0" fontAlgn="auto">
+              <a:spcBef>
+                <a:spcPts val="600"/>
+              </a:spcBef>
+              <a:buFont typeface="Arial" panose="020B0604020202020204" pitchFamily="34" charset="0"/>
+              <a:buNone/>
+            </a:pPr>
+            <a:r>
+              <a:rPr>
+                <a:solidFill>
+                  <a:srgbClr val="0070C0"/>
+                </a:solidFill>
+                <a:sym typeface="+mn-ea"/>
+              </a:rPr>
+              <a:t>    有时预测结果甚至比真实结果更合理</a:t>
+            </a:r>
+            <a:r>
+              <a:rPr lang="zh-CN">
+                <a:solidFill>
+                  <a:srgbClr val="0070C0"/>
+                </a:solidFill>
+                <a:sym typeface="+mn-ea"/>
+              </a:rPr>
+              <a:t>：</a:t>
+            </a:r>
+            <a:endParaRPr>
+              <a:sym typeface="+mn-ea"/>
+            </a:endParaRPr>
+          </a:p>
+          <a:p>
+            <a:pPr indent="0" fontAlgn="auto">
+              <a:spcBef>
+                <a:spcPts val="600"/>
+              </a:spcBef>
+              <a:spcAft>
+                <a:spcPts val="600"/>
+              </a:spcAft>
+              <a:buFont typeface="Arial" panose="020B0604020202020204" pitchFamily="34" charset="0"/>
+              <a:buNone/>
+            </a:pPr>
+            <a:r>
+              <a:rPr>
+                <a:sym typeface="+mn-ea"/>
+              </a:rPr>
+              <a:t>就是按键设计的不合理 | 内幕原料还可以就是按键设计的不合理 | 按键布局不合理</a:t>
+            </a:r>
+            <a:endParaRPr>
+              <a:sym typeface="+mn-ea"/>
+            </a:endParaRPr>
+          </a:p>
+          <a:p>
+            <a:pPr indent="0" fontAlgn="auto">
+              <a:spcBef>
+                <a:spcPts val="600"/>
+              </a:spcBef>
+              <a:spcAft>
+                <a:spcPts val="600"/>
+              </a:spcAft>
+              <a:buFont typeface="Arial" panose="020B0604020202020204" pitchFamily="34" charset="0"/>
+              <a:buNone/>
+            </a:pPr>
+            <a:r>
+              <a:rPr>
+                <a:sym typeface="+mn-ea"/>
+              </a:rPr>
+              <a:t>内幕原料还可以就是按键设计的不合理 </a:t>
+            </a:r>
+            <a:endParaRPr>
+              <a:sym typeface="+mn-ea"/>
+            </a:endParaRPr>
+          </a:p>
+        </p:txBody>
+      </p:sp>
+    </p:spTree>
+    <p:custDataLst>
+      <p:tags r:id="rId1"/>
+    </p:custDataLst>
+  </p:cSld>
+  <p:clrMapOvr>
+    <a:masterClrMapping/>
+  </p:clrMapOvr>
+</p:sld>
+</file>
+
+<file path=ppt/slides/slide47.xml><?xml version="1.0" encoding="utf-8"?>
+<p:sld xmlns:a="http://schemas.openxmlformats.org/drawingml/2006/main" xmlns:r="http://schemas.openxmlformats.org/officeDocument/2006/relationships" xmlns:p="http://schemas.openxmlformats.org/presentationml/2006/main">
+  <p:cSld>
+    <p:bg>
+      <p:bgPr>
+        <a:noFill/>
+        <a:effectLst/>
+      </p:bgPr>
+    </p:bg>
+    <p:spTree>
+      <p:nvGrpSpPr>
+        <p:cNvPr id="1" name=""/>
+        <p:cNvGrpSpPr/>
+        <p:nvPr/>
+      </p:nvGrpSpPr>
+      <p:grpSpPr/>
+      <p:cxnSp>
+        <p:nvCxnSpPr>
+          <p:cNvPr id="25" name="直接连接符 24"/>
+          <p:cNvCxnSpPr/>
+          <p:nvPr/>
+        </p:nvCxnSpPr>
+        <p:spPr>
+          <a:xfrm flipH="1">
+            <a:off x="773748" y="1180465"/>
+            <a:ext cx="10643235" cy="0"/>
+          </a:xfrm>
+          <a:prstGeom prst="line">
+            <a:avLst/>
+          </a:prstGeom>
+        </p:spPr>
+        <p:style>
+          <a:lnRef idx="1">
+            <a:schemeClr val="accent1"/>
+          </a:lnRef>
+          <a:fillRef idx="0">
+            <a:schemeClr val="accent1"/>
+          </a:fillRef>
+          <a:effectRef idx="0">
+            <a:schemeClr val="accent1"/>
+          </a:effectRef>
+          <a:fontRef idx="minor">
+            <a:schemeClr val="tx1"/>
+          </a:fontRef>
+        </p:style>
+      </p:cxnSp>
+      <p:cxnSp>
+        <p:nvCxnSpPr>
+          <p:cNvPr id="13" name="直接连接符 12"/>
+          <p:cNvCxnSpPr/>
+          <p:nvPr/>
+        </p:nvCxnSpPr>
+        <p:spPr>
+          <a:xfrm flipH="1">
+            <a:off x="774383" y="6188710"/>
+            <a:ext cx="10643235" cy="0"/>
+          </a:xfrm>
+          <a:prstGeom prst="line">
+            <a:avLst/>
+          </a:prstGeom>
+          <a:ln w="19050">
+            <a:solidFill>
+              <a:schemeClr val="bg1">
+                <a:lumMod val="65000"/>
+              </a:schemeClr>
+            </a:solidFill>
+          </a:ln>
+        </p:spPr>
+        <p:style>
+          <a:lnRef idx="1">
+            <a:schemeClr val="accent1"/>
+          </a:lnRef>
+          <a:fillRef idx="0">
+            <a:schemeClr val="accent1"/>
+          </a:fillRef>
+          <a:effectRef idx="0">
+            <a:schemeClr val="accent1"/>
+          </a:effectRef>
+          <a:fontRef idx="minor">
+            <a:schemeClr val="tx1"/>
+          </a:fontRef>
+        </p:style>
+      </p:cxnSp>
+      <p:sp>
+        <p:nvSpPr>
+          <p:cNvPr id="4" name="文本框 3"/>
+          <p:cNvSpPr txBox="1"/>
+          <p:nvPr/>
+        </p:nvSpPr>
+        <p:spPr>
+          <a:xfrm>
+            <a:off x="773748" y="727075"/>
+            <a:ext cx="10688955" cy="460375"/>
+          </a:xfrm>
+          <a:prstGeom prst="rect">
+            <a:avLst/>
+          </a:prstGeom>
+          <a:noFill/>
+        </p:spPr>
+        <p:txBody>
+          <a:bodyPr wrap="square" rtlCol="0">
+            <a:spAutoFit/>
+          </a:bodyPr>
+          <a:p>
+            <a:r>
+              <a:rPr lang="zh-CN" altLang="en-US" sz="2400"/>
+              <a:t>后续工作</a:t>
+            </a:r>
+            <a:endParaRPr lang="zh-CN" altLang="en-US" sz="2400"/>
+          </a:p>
+        </p:txBody>
+      </p:sp>
+      <p:sp>
+        <p:nvSpPr>
+          <p:cNvPr id="5" name="文本框 4"/>
+          <p:cNvSpPr txBox="1"/>
+          <p:nvPr/>
+        </p:nvSpPr>
+        <p:spPr>
+          <a:xfrm>
+            <a:off x="1059815" y="1546860"/>
+            <a:ext cx="10117455" cy="2846070"/>
+          </a:xfrm>
+          <a:prstGeom prst="rect">
+            <a:avLst/>
+          </a:prstGeom>
+          <a:noFill/>
+        </p:spPr>
+        <p:txBody>
+          <a:bodyPr wrap="square" rtlCol="0" anchor="t">
+            <a:spAutoFit/>
+          </a:bodyPr>
+          <a:p>
+            <a:pPr marL="342900" indent="-342900" fontAlgn="auto">
+              <a:spcBef>
+                <a:spcPts val="600"/>
+              </a:spcBef>
+              <a:buFont typeface="+mj-lt"/>
+              <a:buAutoNum type="arabicPeriod"/>
+            </a:pPr>
+            <a:r>
+              <a:rPr lang="zh-CN" altLang="en-US"/>
+              <a:t>评论改写：</a:t>
+            </a:r>
+            <a:endParaRPr lang="zh-CN" altLang="en-US"/>
+          </a:p>
+          <a:p>
+            <a:pPr marL="800100" lvl="1" indent="-342900" fontAlgn="auto">
+              <a:spcBef>
+                <a:spcPts val="600"/>
+              </a:spcBef>
+              <a:buFont typeface="Arial" panose="020B0604020202020204" pitchFamily="34" charset="0"/>
+              <a:buChar char="•"/>
+            </a:pPr>
+            <a:r>
+              <a:rPr lang="zh-CN" altLang="en-US">
+                <a:sym typeface="+mn-ea"/>
+              </a:rPr>
+              <a:t>添加新的数据集</a:t>
+            </a:r>
+            <a:endParaRPr lang="zh-CN" altLang="en-US"/>
+          </a:p>
+          <a:p>
+            <a:pPr marL="800100" lvl="1" indent="-342900" fontAlgn="auto">
+              <a:spcBef>
+                <a:spcPts val="600"/>
+              </a:spcBef>
+              <a:buFont typeface="Arial" panose="020B0604020202020204" pitchFamily="34" charset="0"/>
+              <a:buChar char="•"/>
+            </a:pPr>
+            <a:r>
+              <a:rPr lang="en-US" altLang="zh-CN">
+                <a:sym typeface="+mn-ea"/>
+              </a:rPr>
+              <a:t>Transformer-big</a:t>
+            </a:r>
+            <a:r>
+              <a:rPr lang="zh-CN" altLang="en-US">
+                <a:sym typeface="+mn-ea"/>
+              </a:rPr>
+              <a:t>和</a:t>
+            </a:r>
+            <a:r>
+              <a:rPr lang="en-US" altLang="zh-CN">
+                <a:sym typeface="+mn-ea"/>
+              </a:rPr>
+              <a:t>bert</a:t>
+            </a:r>
+            <a:endParaRPr lang="en-US" altLang="zh-CN"/>
+          </a:p>
+          <a:p>
+            <a:pPr marL="800100" lvl="1" indent="-342900" fontAlgn="auto">
+              <a:spcBef>
+                <a:spcPts val="600"/>
+              </a:spcBef>
+              <a:buFont typeface="Arial" panose="020B0604020202020204" pitchFamily="34" charset="0"/>
+              <a:buChar char="•"/>
+            </a:pPr>
+            <a:r>
+              <a:rPr lang="zh-CN" altLang="en-US">
+                <a:sym typeface="+mn-ea"/>
+              </a:rPr>
+              <a:t>调研新的改写方式</a:t>
+            </a:r>
+            <a:endParaRPr lang="zh-CN" altLang="en-US"/>
+          </a:p>
+          <a:p>
+            <a:pPr marL="342900" indent="-342900" fontAlgn="auto">
+              <a:spcBef>
+                <a:spcPts val="600"/>
+              </a:spcBef>
+              <a:buFont typeface="+mj-lt"/>
+              <a:buAutoNum type="arabicPeriod"/>
+            </a:pPr>
+            <a:r>
+              <a:rPr lang="zh-CN" altLang="en-US"/>
+              <a:t>评价系统</a:t>
+            </a:r>
+            <a:endParaRPr lang="zh-CN" altLang="en-US"/>
+          </a:p>
+          <a:p>
+            <a:pPr marL="800100" lvl="1" indent="-342900" fontAlgn="auto">
+              <a:spcBef>
+                <a:spcPts val="600"/>
+              </a:spcBef>
+              <a:buFont typeface="Arial" panose="020B0604020202020204" pitchFamily="34" charset="0"/>
+              <a:buChar char="•"/>
+            </a:pPr>
+            <a:r>
+              <a:rPr lang="zh-CN" altLang="en-US"/>
+              <a:t>查找汽车领域平行语料</a:t>
+            </a:r>
+            <a:endParaRPr lang="zh-CN" altLang="en-US"/>
+          </a:p>
+          <a:p>
+            <a:pPr marL="800100" lvl="1" indent="-342900" fontAlgn="auto">
+              <a:spcBef>
+                <a:spcPts val="600"/>
+              </a:spcBef>
+              <a:buFont typeface="Arial" panose="020B0604020202020204" pitchFamily="34" charset="0"/>
+              <a:buChar char="•"/>
+            </a:pPr>
+            <a:r>
+              <a:rPr lang="zh-CN"/>
+              <a:t>调研新的语义衡量标准</a:t>
+            </a:r>
+            <a:endParaRPr lang="zh-CN" altLang="en-US"/>
+          </a:p>
+          <a:p>
+            <a:pPr marL="800100" lvl="1" indent="-342900" fontAlgn="auto">
+              <a:spcBef>
+                <a:spcPts val="600"/>
+              </a:spcBef>
+              <a:buFont typeface="Arial" panose="020B0604020202020204" pitchFamily="34" charset="0"/>
+              <a:buChar char="•"/>
+            </a:pPr>
+            <a:endParaRPr lang="zh-CN" altLang="en-US"/>
+          </a:p>
+        </p:txBody>
+      </p:sp>
+    </p:spTree>
+    <p:custDataLst>
+      <p:tags r:id="rId1"/>
+    </p:custDataLst>
+  </p:cSld>
+  <p:clrMapOvr>
+    <a:masterClrMapping/>
+  </p:clrMapOvr>
+</p:sld>
+</file>
+
+<file path=ppt/slides/slide48.xml><?xml version="1.0" encoding="utf-8"?>
+<p:sld xmlns:a="http://schemas.openxmlformats.org/drawingml/2006/main" xmlns:r="http://schemas.openxmlformats.org/officeDocument/2006/relationships" xmlns:p="http://schemas.openxmlformats.org/presentationml/2006/main">
+  <p:cSld>
+    <p:bg>
+      <p:bgPr>
+        <a:noFill/>
+        <a:effectLst/>
+      </p:bgPr>
+    </p:bg>
+    <p:spTree>
+      <p:nvGrpSpPr>
+        <p:cNvPr id="1" name=""/>
+        <p:cNvGrpSpPr/>
+        <p:nvPr/>
+      </p:nvGrpSpPr>
+      <p:grpSpPr/>
+      <p:cxnSp>
+        <p:nvCxnSpPr>
+          <p:cNvPr id="25" name="直接连接符 24"/>
+          <p:cNvCxnSpPr/>
+          <p:nvPr/>
+        </p:nvCxnSpPr>
+        <p:spPr>
+          <a:xfrm flipH="1">
+            <a:off x="773748" y="1180465"/>
+            <a:ext cx="10643235" cy="0"/>
+          </a:xfrm>
+          <a:prstGeom prst="line">
+            <a:avLst/>
+          </a:prstGeom>
+        </p:spPr>
+        <p:style>
+          <a:lnRef idx="1">
+            <a:schemeClr val="accent1"/>
+          </a:lnRef>
+          <a:fillRef idx="0">
+            <a:schemeClr val="accent1"/>
+          </a:fillRef>
+          <a:effectRef idx="0">
+            <a:schemeClr val="accent1"/>
+          </a:effectRef>
+          <a:fontRef idx="minor">
+            <a:schemeClr val="tx1"/>
+          </a:fontRef>
+        </p:style>
+      </p:cxnSp>
+      <p:cxnSp>
+        <p:nvCxnSpPr>
+          <p:cNvPr id="13" name="直接连接符 12"/>
+          <p:cNvCxnSpPr/>
+          <p:nvPr/>
+        </p:nvCxnSpPr>
+        <p:spPr>
+          <a:xfrm flipH="1">
+            <a:off x="774383" y="6188710"/>
+            <a:ext cx="10643235" cy="0"/>
+          </a:xfrm>
+          <a:prstGeom prst="line">
+            <a:avLst/>
+          </a:prstGeom>
+          <a:ln w="19050">
+            <a:solidFill>
+              <a:schemeClr val="bg1">
+                <a:lumMod val="65000"/>
+              </a:schemeClr>
+            </a:solidFill>
+          </a:ln>
+        </p:spPr>
+        <p:style>
+          <a:lnRef idx="1">
+            <a:schemeClr val="accent1"/>
+          </a:lnRef>
+          <a:fillRef idx="0">
+            <a:schemeClr val="accent1"/>
+          </a:fillRef>
+          <a:effectRef idx="0">
+            <a:schemeClr val="accent1"/>
+          </a:effectRef>
+          <a:fontRef idx="minor">
+            <a:schemeClr val="tx1"/>
+          </a:fontRef>
+        </p:style>
+      </p:cxnSp>
+      <p:sp>
+        <p:nvSpPr>
+          <p:cNvPr id="4" name="文本框 3"/>
+          <p:cNvSpPr txBox="1"/>
+          <p:nvPr/>
+        </p:nvSpPr>
+        <p:spPr>
+          <a:xfrm>
+            <a:off x="773748" y="727075"/>
+            <a:ext cx="10688955" cy="460375"/>
+          </a:xfrm>
+          <a:prstGeom prst="rect">
+            <a:avLst/>
+          </a:prstGeom>
+          <a:noFill/>
+        </p:spPr>
+        <p:txBody>
+          <a:bodyPr wrap="square" rtlCol="0">
+            <a:spAutoFit/>
+          </a:bodyPr>
+          <a:p>
+            <a:r>
+              <a:rPr lang="zh-CN" altLang="en-US" sz="2400"/>
+              <a:t>参考文献</a:t>
+            </a:r>
+            <a:endParaRPr lang="zh-CN" altLang="en-US" sz="2400"/>
+          </a:p>
+        </p:txBody>
+      </p:sp>
+      <p:sp>
+        <p:nvSpPr>
+          <p:cNvPr id="5" name="文本框 4"/>
+          <p:cNvSpPr txBox="1"/>
+          <p:nvPr/>
+        </p:nvSpPr>
+        <p:spPr>
+          <a:xfrm>
+            <a:off x="1059815" y="1546860"/>
+            <a:ext cx="10117455" cy="1076325"/>
+          </a:xfrm>
+          <a:prstGeom prst="rect">
+            <a:avLst/>
+          </a:prstGeom>
+          <a:noFill/>
+        </p:spPr>
+        <p:txBody>
+          <a:bodyPr wrap="square" rtlCol="0" anchor="t">
+            <a:spAutoFit/>
+          </a:bodyPr>
+          <a:p>
+            <a:pPr marL="342900" indent="-342900" fontAlgn="auto">
+              <a:spcBef>
+                <a:spcPts val="600"/>
+              </a:spcBef>
+              <a:buFont typeface="+mj-lt"/>
+              <a:buAutoNum type="arabicPeriod"/>
+            </a:pPr>
+            <a:r>
+              <a:rPr lang="zh-CN" altLang="en-US"/>
+              <a:t>《PEM: A Paraphrase Evaluation Metric Exploiting Parallel Texts》</a:t>
+            </a:r>
+            <a:endParaRPr lang="zh-CN" altLang="en-US"/>
+          </a:p>
+          <a:p>
+            <a:pPr marL="342900" indent="-342900" fontAlgn="auto">
+              <a:spcBef>
+                <a:spcPts val="600"/>
+              </a:spcBef>
+              <a:buFont typeface="+mj-lt"/>
+              <a:buAutoNum type="arabicPeriod"/>
+            </a:pPr>
+            <a:r>
+              <a:rPr lang="zh-CN" altLang="en-US"/>
+              <a:t>https://blog.csdn.net/han_xiaoyang/article/details/10298821</a:t>
+            </a:r>
+            <a:endParaRPr lang="zh-CN" altLang="en-US"/>
+          </a:p>
+          <a:p>
+            <a:pPr marL="800100" lvl="1" indent="-342900" fontAlgn="auto">
+              <a:spcBef>
+                <a:spcPts val="600"/>
+              </a:spcBef>
+              <a:buFont typeface="Arial" panose="020B0604020202020204" pitchFamily="34" charset="0"/>
+              <a:buChar char="•"/>
+            </a:pPr>
+            <a:endParaRPr lang="zh-CN" altLang="en-US"/>
+          </a:p>
+        </p:txBody>
+      </p:sp>
+    </p:spTree>
+    <p:custDataLst>
+      <p:tags r:id="rId1"/>
+    </p:custDataLst>
+  </p:cSld>
+  <p:clrMapOvr>
+    <a:masterClrMapping/>
+  </p:clrMapOvr>
+</p:sld>
+</file>
+
+<file path=ppt/slides/slide49.xml><?xml version="1.0" encoding="utf-8"?>
 <p:sld xmlns:a="http://schemas.openxmlformats.org/drawingml/2006/main" xmlns:r="http://schemas.openxmlformats.org/officeDocument/2006/relationships" xmlns:p="http://schemas.openxmlformats.org/presentationml/2006/main">
   <p:cSld>
     <p:bg>
@@ -26711,6 +28146,38 @@
 
 <file path=ppt/tags/tag54.xml><?xml version="1.0" encoding="utf-8"?>
 <p:tagLst xmlns:p="http://schemas.openxmlformats.org/presentationml/2006/main">
+  <p:tag name="KSO_WM_BEAUTIFY_FLAG" val="#wm#"/>
+  <p:tag name="KSO_WM_TEMPLATE_CATEGORY" val="custom"/>
+  <p:tag name="KSO_WM_TEMPLATE_INDEX" val="20187308"/>
+</p:tagLst>
+</file>
+
+<file path=ppt/tags/tag55.xml><?xml version="1.0" encoding="utf-8"?>
+<p:tagLst xmlns:p="http://schemas.openxmlformats.org/presentationml/2006/main">
+  <p:tag name="KSO_WM_BEAUTIFY_FLAG" val="#wm#"/>
+  <p:tag name="KSO_WM_TEMPLATE_CATEGORY" val="custom"/>
+  <p:tag name="KSO_WM_TEMPLATE_INDEX" val="20187308"/>
+</p:tagLst>
+</file>
+
+<file path=ppt/tags/tag56.xml><?xml version="1.0" encoding="utf-8"?>
+<p:tagLst xmlns:p="http://schemas.openxmlformats.org/presentationml/2006/main">
+  <p:tag name="KSO_WM_BEAUTIFY_FLAG" val="#wm#"/>
+  <p:tag name="KSO_WM_TEMPLATE_CATEGORY" val="custom"/>
+  <p:tag name="KSO_WM_TEMPLATE_INDEX" val="20187308"/>
+</p:tagLst>
+</file>
+
+<file path=ppt/tags/tag57.xml><?xml version="1.0" encoding="utf-8"?>
+<p:tagLst xmlns:p="http://schemas.openxmlformats.org/presentationml/2006/main">
+  <p:tag name="KSO_WM_BEAUTIFY_FLAG" val="#wm#"/>
+  <p:tag name="KSO_WM_TEMPLATE_CATEGORY" val="custom"/>
+  <p:tag name="KSO_WM_TEMPLATE_INDEX" val="20187308"/>
+</p:tagLst>
+</file>
+
+<file path=ppt/tags/tag58.xml><?xml version="1.0" encoding="utf-8"?>
+<p:tagLst xmlns:p="http://schemas.openxmlformats.org/presentationml/2006/main">
   <p:tag name="KSO_WM_TEMPLATE_THUMBS_INDEX" val="1、2、3、6、8、10、11、12、15"/>
   <p:tag name="KSO_WM_SLIDE_ID" val="custom20187308_1"/>
   <p:tag name="KSO_WM_TEMPLATE_SUBCATEGORY" val="0"/>
